--- a/etc/elastic.pptx
+++ b/etc/elastic.pptx
@@ -15,17 +15,22 @@
     <p:sldId id="266" r:id="rId9"/>
     <p:sldId id="267" r:id="rId10"/>
     <p:sldId id="268" r:id="rId11"/>
-    <p:sldId id="269" r:id="rId12"/>
-    <p:sldId id="270" r:id="rId13"/>
-    <p:sldId id="265" r:id="rId14"/>
-    <p:sldId id="271" r:id="rId15"/>
-    <p:sldId id="272" r:id="rId16"/>
-    <p:sldId id="273" r:id="rId17"/>
-    <p:sldId id="274" r:id="rId18"/>
-    <p:sldId id="275" r:id="rId19"/>
-    <p:sldId id="276" r:id="rId20"/>
-    <p:sldId id="277" r:id="rId21"/>
-    <p:sldId id="258" r:id="rId22"/>
+    <p:sldId id="278" r:id="rId12"/>
+    <p:sldId id="286" r:id="rId13"/>
+    <p:sldId id="285" r:id="rId14"/>
+    <p:sldId id="269" r:id="rId15"/>
+    <p:sldId id="284" r:id="rId16"/>
+    <p:sldId id="279" r:id="rId17"/>
+    <p:sldId id="280" r:id="rId18"/>
+    <p:sldId id="287" r:id="rId19"/>
+    <p:sldId id="270" r:id="rId20"/>
+    <p:sldId id="265" r:id="rId21"/>
+    <p:sldId id="271" r:id="rId22"/>
+    <p:sldId id="272" r:id="rId23"/>
+    <p:sldId id="273" r:id="rId24"/>
+    <p:sldId id="274" r:id="rId25"/>
+    <p:sldId id="277" r:id="rId26"/>
+    <p:sldId id="258" r:id="rId27"/>
   </p:sldIdLst>
   <p:sldSz cx="12192000" cy="6858000"/>
   <p:notesSz cx="6858000" cy="9144000"/>
@@ -635,7 +640,7 @@
             <a:fld id="{B61BEF0D-F0BB-DE4B-95CE-6DB70DBA9567}" type="datetimeFigureOut">
               <a:rPr lang="en-US" dirty="0"/>
               <a:pPr/>
-              <a:t>6/7/2016</a:t>
+              <a:t>7/9/2016</a:t>
             </a:fld>
             <a:endParaRPr lang="en-US" dirty="0"/>
           </a:p>
@@ -928,7 +933,7 @@
             <a:fld id="{B61BEF0D-F0BB-DE4B-95CE-6DB70DBA9567}" type="datetimeFigureOut">
               <a:rPr lang="en-US" dirty="0"/>
               <a:pPr/>
-              <a:t>6/7/2016</a:t>
+              <a:t>7/9/2016</a:t>
             </a:fld>
             <a:endParaRPr lang="en-US" dirty="0"/>
           </a:p>
@@ -1173,7 +1178,7 @@
             <a:fld id="{B61BEF0D-F0BB-DE4B-95CE-6DB70DBA9567}" type="datetimeFigureOut">
               <a:rPr lang="en-US" dirty="0"/>
               <a:pPr/>
-              <a:t>6/7/2016</a:t>
+              <a:t>7/9/2016</a:t>
             </a:fld>
             <a:endParaRPr lang="en-US" dirty="0"/>
           </a:p>
@@ -1710,7 +1715,7 @@
             <a:fld id="{B61BEF0D-F0BB-DE4B-95CE-6DB70DBA9567}" type="datetimeFigureOut">
               <a:rPr lang="en-US" dirty="0"/>
               <a:pPr/>
-              <a:t>6/7/2016</a:t>
+              <a:t>7/9/2016</a:t>
             </a:fld>
             <a:endParaRPr lang="en-US" dirty="0"/>
           </a:p>
@@ -1955,7 +1960,7 @@
             <a:fld id="{B61BEF0D-F0BB-DE4B-95CE-6DB70DBA9567}" type="datetimeFigureOut">
               <a:rPr lang="en-US" dirty="0"/>
               <a:pPr/>
-              <a:t>6/7/2016</a:t>
+              <a:t>7/9/2016</a:t>
             </a:fld>
             <a:endParaRPr lang="en-US" dirty="0"/>
           </a:p>
@@ -2484,7 +2489,7 @@
             <a:fld id="{B61BEF0D-F0BB-DE4B-95CE-6DB70DBA9567}" type="datetimeFigureOut">
               <a:rPr lang="en-US" dirty="0"/>
               <a:pPr/>
-              <a:t>6/7/2016</a:t>
+              <a:t>7/9/2016</a:t>
             </a:fld>
             <a:endParaRPr lang="en-US" dirty="0"/>
           </a:p>
@@ -2778,7 +2783,7 @@
             <a:fld id="{B61BEF0D-F0BB-DE4B-95CE-6DB70DBA9567}" type="datetimeFigureOut">
               <a:rPr lang="en-US" dirty="0"/>
               <a:pPr/>
-              <a:t>6/7/2016</a:t>
+              <a:t>7/9/2016</a:t>
             </a:fld>
             <a:endParaRPr lang="en-US" dirty="0"/>
           </a:p>
@@ -2949,7 +2954,7 @@
             <a:fld id="{B61BEF0D-F0BB-DE4B-95CE-6DB70DBA9567}" type="datetimeFigureOut">
               <a:rPr lang="en-US" dirty="0"/>
               <a:pPr/>
-              <a:t>6/7/2016</a:t>
+              <a:t>7/9/2016</a:t>
             </a:fld>
             <a:endParaRPr lang="en-US" dirty="0"/>
           </a:p>
@@ -3126,7 +3131,7 @@
             <a:fld id="{B61BEF0D-F0BB-DE4B-95CE-6DB70DBA9567}" type="datetimeFigureOut">
               <a:rPr lang="en-US" dirty="0"/>
               <a:pPr/>
-              <a:t>6/7/2016</a:t>
+              <a:t>7/9/2016</a:t>
             </a:fld>
             <a:endParaRPr lang="en-US" dirty="0"/>
           </a:p>
@@ -3293,7 +3298,7 @@
             <a:fld id="{B61BEF0D-F0BB-DE4B-95CE-6DB70DBA9567}" type="datetimeFigureOut">
               <a:rPr lang="en-US" dirty="0"/>
               <a:pPr/>
-              <a:t>6/7/2016</a:t>
+              <a:t>7/9/2016</a:t>
             </a:fld>
             <a:endParaRPr lang="en-US" dirty="0"/>
           </a:p>
@@ -3541,7 +3546,7 @@
             <a:fld id="{B61BEF0D-F0BB-DE4B-95CE-6DB70DBA9567}" type="datetimeFigureOut">
               <a:rPr lang="en-US" dirty="0"/>
               <a:pPr/>
-              <a:t>6/7/2016</a:t>
+              <a:t>7/9/2016</a:t>
             </a:fld>
             <a:endParaRPr lang="en-US" dirty="0"/>
           </a:p>
@@ -3835,7 +3840,7 @@
             <a:fld id="{B61BEF0D-F0BB-DE4B-95CE-6DB70DBA9567}" type="datetimeFigureOut">
               <a:rPr lang="en-US" dirty="0"/>
               <a:pPr/>
-              <a:t>6/7/2016</a:t>
+              <a:t>7/9/2016</a:t>
             </a:fld>
             <a:endParaRPr lang="en-US" dirty="0"/>
           </a:p>
@@ -4274,7 +4279,7 @@
             <a:fld id="{B61BEF0D-F0BB-DE4B-95CE-6DB70DBA9567}" type="datetimeFigureOut">
               <a:rPr lang="en-US" dirty="0"/>
               <a:pPr/>
-              <a:t>6/7/2016</a:t>
+              <a:t>7/9/2016</a:t>
             </a:fld>
             <a:endParaRPr lang="en-US" dirty="0"/>
           </a:p>
@@ -4389,7 +4394,7 @@
             <a:fld id="{B61BEF0D-F0BB-DE4B-95CE-6DB70DBA9567}" type="datetimeFigureOut">
               <a:rPr lang="en-US" dirty="0"/>
               <a:pPr/>
-              <a:t>6/7/2016</a:t>
+              <a:t>7/9/2016</a:t>
             </a:fld>
             <a:endParaRPr lang="en-US" dirty="0"/>
           </a:p>
@@ -4481,7 +4486,7 @@
             <a:fld id="{B61BEF0D-F0BB-DE4B-95CE-6DB70DBA9567}" type="datetimeFigureOut">
               <a:rPr lang="en-US" dirty="0"/>
               <a:pPr/>
-              <a:t>6/7/2016</a:t>
+              <a:t>7/9/2016</a:t>
             </a:fld>
             <a:endParaRPr lang="en-US" dirty="0"/>
           </a:p>
@@ -4761,7 +4766,7 @@
             <a:fld id="{B61BEF0D-F0BB-DE4B-95CE-6DB70DBA9567}" type="datetimeFigureOut">
               <a:rPr lang="en-US" dirty="0"/>
               <a:pPr/>
-              <a:t>6/7/2016</a:t>
+              <a:t>7/9/2016</a:t>
             </a:fld>
             <a:endParaRPr lang="en-US" dirty="0"/>
           </a:p>
@@ -5049,7 +5054,7 @@
             <a:fld id="{B61BEF0D-F0BB-DE4B-95CE-6DB70DBA9567}" type="datetimeFigureOut">
               <a:rPr lang="en-US" dirty="0"/>
               <a:pPr/>
-              <a:t>6/7/2016</a:t>
+              <a:t>7/9/2016</a:t>
             </a:fld>
             <a:endParaRPr lang="en-US" dirty="0"/>
           </a:p>
@@ -5576,7 +5581,7 @@
             <a:fld id="{B61BEF0D-F0BB-DE4B-95CE-6DB70DBA9567}" type="datetimeFigureOut">
               <a:rPr lang="en-US" dirty="0"/>
               <a:pPr/>
-              <a:t>6/7/2016</a:t>
+              <a:t>7/9/2016</a:t>
             </a:fld>
             <a:endParaRPr lang="en-US" dirty="0"/>
           </a:p>
@@ -6168,7 +6173,15 @@
           <a:p>
             <a:r>
               <a:rPr lang="pl-PL" dirty="0"/>
-              <a:t>STORE, SEARCH, ANALYZE</a:t>
+              <a:t>STORE, </a:t>
+            </a:r>
+            <a:r>
+              <a:rPr lang="en-US" dirty="0"/>
+              <a:t>SEARCH</a:t>
+            </a:r>
+            <a:r>
+              <a:rPr lang="pl-PL" dirty="0"/>
+              <a:t>, ANALYZE</a:t>
             </a:r>
           </a:p>
         </p:txBody>
@@ -6445,13 +6458,20 @@
           </a:bodyPr>
           <a:lstStyle/>
           <a:p>
-            <a:r>
-              <a:rPr lang="pl-PL" sz="4400" dirty="0">
-                <a:latin typeface="Aharoni" panose="02010803020104030203" pitchFamily="2" charset="-79"/>
-                <a:cs typeface="Aharoni" panose="02010803020104030203" pitchFamily="2" charset="-79"/>
-              </a:rPr>
-              <a:t>BASIC CONCEPTS</a:t>
-            </a:r>
+            <a:pPr fontAlgn="base"/>
+            <a:r>
+              <a:rPr lang="en-US" sz="4400" b="1" dirty="0"/>
+              <a:t>Near </a:t>
+            </a:r>
+            <a:r>
+              <a:rPr lang="en-US" sz="4400" b="1" dirty="0" err="1"/>
+              <a:t>Realtime</a:t>
+            </a:r>
+            <a:r>
+              <a:rPr lang="en-US" sz="4400" b="1" dirty="0"/>
+              <a:t> (NRT)</a:t>
+            </a:r>
+            <a:endParaRPr lang="pl-PL" sz="4400" b="1" dirty="0"/>
           </a:p>
         </p:txBody>
       </p:sp>
@@ -6463,8 +6483,8 @@
         </p:nvSpPr>
         <p:spPr>
           <a:xfrm>
-            <a:off x="1979776" y="1523416"/>
-            <a:ext cx="9522863" cy="646331"/>
+            <a:off x="1979776" y="2805285"/>
+            <a:ext cx="9522863" cy="923330"/>
           </a:xfrm>
           <a:prstGeom prst="rect">
             <a:avLst/>
@@ -6477,13 +6497,17 @@
           <a:lstStyle/>
           <a:p>
             <a:pPr fontAlgn="base"/>
-            <a:endParaRPr lang="en-US" dirty="0"/>
-          </a:p>
-          <a:p>
+            <a:r>
+              <a:rPr lang="en-US" dirty="0" err="1"/>
+              <a:t>Elasticsearch</a:t>
+            </a:r>
             <a:r>
               <a:rPr lang="en-US" dirty="0"/>
-              <a:t>An</a:t>
-            </a:r>
+              <a:t> is a near real time search platform. What this means is there is a slight latency (normally one second) from the time you index a document until the time it becomes searchable.</a:t>
+            </a:r>
+          </a:p>
+          <a:p>
+            <a:pPr fontAlgn="base"/>
             <a:endParaRPr lang="pl-PL" dirty="0">
               <a:solidFill>
                 <a:srgbClr val="444444"/>
@@ -6496,7 +6520,7 @@
     </p:spTree>
     <p:extLst>
       <p:ext uri="{BB962C8B-B14F-4D97-AF65-F5344CB8AC3E}">
-        <p14:creationId xmlns:p14="http://schemas.microsoft.com/office/powerpoint/2010/main" val="2070592725"/>
+        <p14:creationId xmlns:p14="http://schemas.microsoft.com/office/powerpoint/2010/main" val="3911493984"/>
       </p:ext>
     </p:extLst>
   </p:cSld>
@@ -6531,8 +6555,8 @@
         </p:nvSpPr>
         <p:spPr>
           <a:xfrm>
-            <a:off x="1979775" y="523238"/>
-            <a:ext cx="9881787" cy="769441"/>
+            <a:off x="1469877" y="2497317"/>
+            <a:ext cx="9733659" cy="769441"/>
           </a:xfrm>
           <a:prstGeom prst="rect">
             <a:avLst/>
@@ -6544,192 +6568,13 @@
           </a:bodyPr>
           <a:lstStyle/>
           <a:p>
+            <a:pPr algn="ctr"/>
             <a:r>
               <a:rPr lang="pl-PL" sz="4400" dirty="0">
                 <a:latin typeface="Aharoni" panose="02010803020104030203" pitchFamily="2" charset="-79"/>
                 <a:cs typeface="Aharoni" panose="02010803020104030203" pitchFamily="2" charset="-79"/>
               </a:rPr>
-              <a:t>ADVANCED: SHARED AND REPLICAS</a:t>
-            </a:r>
-          </a:p>
-        </p:txBody>
-      </p:sp>
-      <p:sp>
-        <p:nvSpPr>
-          <p:cNvPr id="5" name="Prostokąt 4"/>
-          <p:cNvSpPr/>
-          <p:nvPr/>
-        </p:nvSpPr>
-        <p:spPr>
-          <a:xfrm>
-            <a:off x="1979775" y="1566145"/>
-            <a:ext cx="9522863" cy="3693319"/>
-          </a:xfrm>
-          <a:prstGeom prst="rect">
-            <a:avLst/>
-          </a:prstGeom>
-        </p:spPr>
-        <p:txBody>
-          <a:bodyPr wrap="square">
-            <a:spAutoFit/>
-          </a:bodyPr>
-          <a:lstStyle/>
-          <a:p>
-            <a:r>
-              <a:rPr lang="en-US" dirty="0"/>
-              <a:t>A </a:t>
-            </a:r>
-            <a:r>
-              <a:rPr lang="en-US" i="1" dirty="0"/>
-              <a:t>shard </a:t>
-            </a:r>
-            <a:r>
-              <a:rPr lang="en-US" dirty="0"/>
-              <a:t>is a low-level </a:t>
-            </a:r>
-            <a:r>
-              <a:rPr lang="en-US" i="1" dirty="0"/>
-              <a:t>worker unit </a:t>
-            </a:r>
-            <a:r>
-              <a:rPr lang="en-US" dirty="0"/>
-              <a:t>that holds just a slice of all the data in the index</a:t>
-            </a:r>
-            <a:r>
-              <a:rPr lang="pl-PL" dirty="0"/>
-              <a:t> (</a:t>
-            </a:r>
-            <a:r>
-              <a:rPr lang="pl-PL" dirty="0" err="1"/>
-              <a:t>containers</a:t>
-            </a:r>
-            <a:r>
-              <a:rPr lang="pl-PL" dirty="0"/>
-              <a:t> for data)</a:t>
-            </a:r>
-            <a:r>
-              <a:rPr lang="en-US" dirty="0"/>
-              <a:t>. </a:t>
-            </a:r>
-            <a:r>
-              <a:rPr lang="pl-PL" dirty="0"/>
-              <a:t>F</a:t>
-            </a:r>
-            <a:r>
-              <a:rPr lang="en-US" dirty="0"/>
-              <a:t>or now it is enough to know</a:t>
-            </a:r>
-            <a:r>
-              <a:rPr lang="pl-PL" dirty="0"/>
-              <a:t> </a:t>
-            </a:r>
-            <a:r>
-              <a:rPr lang="en-US" dirty="0"/>
-              <a:t>that a shard is a single instance of Lucene, and is a complete search engine in its own</a:t>
-            </a:r>
-            <a:r>
-              <a:rPr lang="pl-PL" dirty="0"/>
-              <a:t> </a:t>
-            </a:r>
-            <a:r>
-              <a:rPr lang="en-US" dirty="0"/>
-              <a:t>right. </a:t>
-            </a:r>
-            <a:r>
-              <a:rPr lang="pl-PL" dirty="0"/>
-              <a:t>D</a:t>
-            </a:r>
-            <a:r>
-              <a:rPr lang="en-US" dirty="0" err="1"/>
-              <a:t>ocuments</a:t>
-            </a:r>
-            <a:r>
-              <a:rPr lang="en-US" dirty="0"/>
-              <a:t> are stored and indexed in shards, but our applications don’t</a:t>
-            </a:r>
-            <a:r>
-              <a:rPr lang="pl-PL" dirty="0"/>
-              <a:t> </a:t>
-            </a:r>
-            <a:r>
-              <a:rPr lang="en-US" dirty="0"/>
-              <a:t>talk to them directly. Instead, they talk to an index.</a:t>
-            </a:r>
-            <a:endParaRPr lang="pl-PL" dirty="0"/>
-          </a:p>
-          <a:p>
-            <a:endParaRPr lang="pl-PL" dirty="0"/>
-          </a:p>
-          <a:p>
-            <a:pPr fontAlgn="base"/>
-            <a:r>
-              <a:rPr lang="en-US" dirty="0" err="1"/>
-              <a:t>Sharding</a:t>
-            </a:r>
-            <a:r>
-              <a:rPr lang="en-US" dirty="0"/>
-              <a:t> is important for two primary reasons:</a:t>
-            </a:r>
-          </a:p>
-          <a:p>
-            <a:pPr marL="285750" indent="-285750" fontAlgn="base">
-              <a:buFont typeface="Arial" panose="020B0604020202020204" pitchFamily="34" charset="0"/>
-              <a:buChar char="•"/>
-            </a:pPr>
-            <a:r>
-              <a:rPr lang="en-US" dirty="0"/>
-              <a:t>It allows you to horizontally split/scale your content volume</a:t>
-            </a:r>
-          </a:p>
-          <a:p>
-            <a:pPr marL="285750" indent="-285750" fontAlgn="base">
-              <a:buFont typeface="Arial" panose="020B0604020202020204" pitchFamily="34" charset="0"/>
-              <a:buChar char="•"/>
-            </a:pPr>
-            <a:r>
-              <a:rPr lang="en-US" dirty="0"/>
-              <a:t>It allows you to distribute and parallelize operations across shards (potentially on multiple nodes) thus increasing performance/throughput</a:t>
-            </a:r>
-          </a:p>
-          <a:p>
-            <a:endParaRPr lang="pl-PL" dirty="0"/>
-          </a:p>
-          <a:p>
-            <a:r>
-              <a:rPr lang="en-US" dirty="0"/>
-              <a:t>As cluster grows or shrinks, </a:t>
-            </a:r>
-            <a:r>
-              <a:rPr lang="en-US" dirty="0" err="1"/>
-              <a:t>Elasticsearch</a:t>
-            </a:r>
-            <a:r>
-              <a:rPr lang="en-US" dirty="0"/>
-              <a:t> will automatically</a:t>
-            </a:r>
-            <a:r>
-              <a:rPr lang="pl-PL" dirty="0"/>
-              <a:t> </a:t>
-            </a:r>
-            <a:r>
-              <a:rPr lang="en-US" dirty="0"/>
-              <a:t>migrate shards between nodes so that the cluster remains balanced.</a:t>
-            </a:r>
-            <a:r>
-              <a:rPr lang="pl-PL" dirty="0"/>
-              <a:t> </a:t>
-            </a:r>
-            <a:r>
-              <a:rPr lang="en-US" dirty="0"/>
-              <a:t>The number of primary shards in an index is fixed at the time that an index is created,</a:t>
-            </a:r>
-            <a:r>
-              <a:rPr lang="pl-PL" dirty="0"/>
-              <a:t> </a:t>
-            </a:r>
-            <a:r>
-              <a:rPr lang="en-US" dirty="0"/>
-              <a:t>but the number of replica shards can be changed at any time.</a:t>
+              <a:t>INVERTED INDEX</a:t>
             </a:r>
           </a:p>
         </p:txBody>
@@ -6737,7 +6582,7 @@
     </p:spTree>
     <p:extLst>
       <p:ext uri="{BB962C8B-B14F-4D97-AF65-F5344CB8AC3E}">
-        <p14:creationId xmlns:p14="http://schemas.microsoft.com/office/powerpoint/2010/main" val="2244369757"/>
+        <p14:creationId xmlns:p14="http://schemas.microsoft.com/office/powerpoint/2010/main" val="3184183874"/>
       </p:ext>
     </p:extLst>
   </p:cSld>
@@ -6773,6 +6618,3148 @@
         <p:spPr>
           <a:xfrm>
             <a:off x="1979776" y="523238"/>
+            <a:ext cx="6096000" cy="769441"/>
+          </a:xfrm>
+          <a:prstGeom prst="rect">
+            <a:avLst/>
+          </a:prstGeom>
+        </p:spPr>
+        <p:txBody>
+          <a:bodyPr>
+            <a:spAutoFit/>
+          </a:bodyPr>
+          <a:lstStyle/>
+          <a:p>
+            <a:r>
+              <a:rPr lang="pl-PL" sz="4400" dirty="0">
+                <a:latin typeface="Aharoni" panose="02010803020104030203" pitchFamily="2" charset="-79"/>
+                <a:cs typeface="Aharoni" panose="02010803020104030203" pitchFamily="2" charset="-79"/>
+              </a:rPr>
+              <a:t>INVERTED INDEX</a:t>
+            </a:r>
+          </a:p>
+        </p:txBody>
+      </p:sp>
+      <p:sp>
+        <p:nvSpPr>
+          <p:cNvPr id="3" name="Prostokąt 2"/>
+          <p:cNvSpPr/>
+          <p:nvPr/>
+        </p:nvSpPr>
+        <p:spPr>
+          <a:xfrm>
+            <a:off x="1979776" y="1467866"/>
+            <a:ext cx="6096000" cy="646331"/>
+          </a:xfrm>
+          <a:prstGeom prst="rect">
+            <a:avLst/>
+          </a:prstGeom>
+        </p:spPr>
+        <p:txBody>
+          <a:bodyPr>
+            <a:spAutoFit/>
+          </a:bodyPr>
+          <a:lstStyle/>
+          <a:p>
+            <a:pPr>
+              <a:buFont typeface="+mj-lt"/>
+              <a:buAutoNum type="arabicPeriod"/>
+            </a:pPr>
+            <a:r>
+              <a:rPr lang="pl-PL" dirty="0">
+                <a:solidFill>
+                  <a:srgbClr val="444444"/>
+                </a:solidFill>
+                <a:latin typeface="Open Sans"/>
+              </a:rPr>
+              <a:t> </a:t>
+            </a:r>
+            <a:r>
+              <a:rPr lang="en-US" dirty="0">
+                <a:solidFill>
+                  <a:srgbClr val="444444"/>
+                </a:solidFill>
+                <a:latin typeface="Open Sans"/>
+              </a:rPr>
+              <a:t>The quick brown fox jumped over the lazy dog</a:t>
+            </a:r>
+          </a:p>
+          <a:p>
+            <a:pPr>
+              <a:buFont typeface="+mj-lt"/>
+              <a:buAutoNum type="arabicPeriod"/>
+            </a:pPr>
+            <a:r>
+              <a:rPr lang="pl-PL" dirty="0">
+                <a:solidFill>
+                  <a:srgbClr val="444444"/>
+                </a:solidFill>
+                <a:latin typeface="Open Sans"/>
+              </a:rPr>
+              <a:t> </a:t>
+            </a:r>
+            <a:r>
+              <a:rPr lang="en-US" dirty="0">
+                <a:solidFill>
+                  <a:srgbClr val="444444"/>
+                </a:solidFill>
+                <a:latin typeface="Open Sans"/>
+              </a:rPr>
+              <a:t>Quick brown foxes leap over lazy dogs in summer</a:t>
+            </a:r>
+            <a:endParaRPr lang="en-US" b="0" i="0" dirty="0">
+              <a:solidFill>
+                <a:srgbClr val="444444"/>
+              </a:solidFill>
+              <a:effectLst/>
+              <a:latin typeface="Open Sans"/>
+            </a:endParaRPr>
+          </a:p>
+        </p:txBody>
+      </p:sp>
+      <p:pic>
+        <p:nvPicPr>
+          <p:cNvPr id="4" name="Obraz 3"/>
+          <p:cNvPicPr>
+            <a:picLocks noChangeAspect="1"/>
+          </p:cNvPicPr>
+          <p:nvPr/>
+        </p:nvPicPr>
+        <p:blipFill>
+          <a:blip r:embed="rId2"/>
+          <a:stretch>
+            <a:fillRect/>
+          </a:stretch>
+        </p:blipFill>
+        <p:spPr>
+          <a:xfrm>
+            <a:off x="1979776" y="2498490"/>
+            <a:ext cx="2047875" cy="3419475"/>
+          </a:xfrm>
+          <a:prstGeom prst="rect">
+            <a:avLst/>
+          </a:prstGeom>
+        </p:spPr>
+      </p:pic>
+      <p:sp>
+        <p:nvSpPr>
+          <p:cNvPr id="8" name="Rectangle 3"/>
+          <p:cNvSpPr>
+            <a:spLocks noChangeArrowheads="1"/>
+          </p:cNvSpPr>
+          <p:nvPr/>
+        </p:nvSpPr>
+        <p:spPr bwMode="auto">
+          <a:xfrm>
+            <a:off x="4460681" y="2704741"/>
+            <a:ext cx="5671745" cy="553998"/>
+          </a:xfrm>
+          <a:prstGeom prst="rect">
+            <a:avLst/>
+          </a:prstGeom>
+          <a:solidFill>
+            <a:srgbClr val="FFFFFF"/>
+          </a:solidFill>
+          <a:ln>
+            <a:noFill/>
+          </a:ln>
+          <a:effectLst/>
+          <a:extLst>
+            <a:ext uri="{91240B29-F687-4F45-9708-019B960494DF}">
+              <a14:hiddenLine xmlns:a14="http://schemas.microsoft.com/office/drawing/2010/main" w="9525">
+                <a:solidFill>
+                  <a:schemeClr val="tx1"/>
+                </a:solidFill>
+                <a:miter lim="800000"/>
+                <a:headEnd/>
+                <a:tailEnd/>
+              </a14:hiddenLine>
+            </a:ext>
+            <a:ext uri="{AF507438-7753-43E0-B8FC-AC1667EBCBE1}">
+              <a14:hiddenEffects xmlns:a14="http://schemas.microsoft.com/office/drawing/2010/main">
+                <a:effectLst>
+                  <a:outerShdw dist="35921" dir="2700000" algn="ctr" rotWithShape="0">
+                    <a:schemeClr val="bg2"/>
+                  </a:outerShdw>
+                </a:effectLst>
+              </a14:hiddenEffects>
+            </a:ext>
+          </a:extLst>
+        </p:spPr>
+        <p:txBody>
+          <a:bodyPr vert="horz" wrap="none" lIns="91440" tIns="45720" rIns="91440" bIns="45720" numCol="1" anchor="ctr" anchorCtr="0" compatLnSpc="1">
+            <a:prstTxWarp prst="textNoShape">
+              <a:avLst/>
+            </a:prstTxWarp>
+            <a:spAutoFit/>
+          </a:bodyPr>
+          <a:lstStyle>
+            <a:lvl1pPr eaLnBrk="0" fontAlgn="base" hangingPunct="0">
+              <a:spcBef>
+                <a:spcPct val="0"/>
+              </a:spcBef>
+              <a:spcAft>
+                <a:spcPct val="0"/>
+              </a:spcAft>
+              <a:defRPr>
+                <a:solidFill>
+                  <a:schemeClr val="tx1"/>
+                </a:solidFill>
+                <a:latin typeface="Arial" panose="020B0604020202020204" pitchFamily="34" charset="0"/>
+              </a:defRPr>
+            </a:lvl1pPr>
+            <a:lvl2pPr eaLnBrk="0" fontAlgn="base" hangingPunct="0">
+              <a:spcBef>
+                <a:spcPct val="0"/>
+              </a:spcBef>
+              <a:spcAft>
+                <a:spcPct val="0"/>
+              </a:spcAft>
+              <a:defRPr>
+                <a:solidFill>
+                  <a:schemeClr val="tx1"/>
+                </a:solidFill>
+                <a:latin typeface="Arial" panose="020B0604020202020204" pitchFamily="34" charset="0"/>
+              </a:defRPr>
+            </a:lvl2pPr>
+            <a:lvl3pPr eaLnBrk="0" fontAlgn="base" hangingPunct="0">
+              <a:spcBef>
+                <a:spcPct val="0"/>
+              </a:spcBef>
+              <a:spcAft>
+                <a:spcPct val="0"/>
+              </a:spcAft>
+              <a:defRPr>
+                <a:solidFill>
+                  <a:schemeClr val="tx1"/>
+                </a:solidFill>
+                <a:latin typeface="Arial" panose="020B0604020202020204" pitchFamily="34" charset="0"/>
+              </a:defRPr>
+            </a:lvl3pPr>
+            <a:lvl4pPr eaLnBrk="0" fontAlgn="base" hangingPunct="0">
+              <a:spcBef>
+                <a:spcPct val="0"/>
+              </a:spcBef>
+              <a:spcAft>
+                <a:spcPct val="0"/>
+              </a:spcAft>
+              <a:defRPr>
+                <a:solidFill>
+                  <a:schemeClr val="tx1"/>
+                </a:solidFill>
+                <a:latin typeface="Arial" panose="020B0604020202020204" pitchFamily="34" charset="0"/>
+              </a:defRPr>
+            </a:lvl4pPr>
+            <a:lvl5pPr eaLnBrk="0" fontAlgn="base" hangingPunct="0">
+              <a:spcBef>
+                <a:spcPct val="0"/>
+              </a:spcBef>
+              <a:spcAft>
+                <a:spcPct val="0"/>
+              </a:spcAft>
+              <a:defRPr>
+                <a:solidFill>
+                  <a:schemeClr val="tx1"/>
+                </a:solidFill>
+                <a:latin typeface="Arial" panose="020B0604020202020204" pitchFamily="34" charset="0"/>
+              </a:defRPr>
+            </a:lvl5pPr>
+            <a:lvl6pPr eaLnBrk="0" fontAlgn="base" hangingPunct="0">
+              <a:spcBef>
+                <a:spcPct val="0"/>
+              </a:spcBef>
+              <a:spcAft>
+                <a:spcPct val="0"/>
+              </a:spcAft>
+              <a:defRPr>
+                <a:solidFill>
+                  <a:schemeClr val="tx1"/>
+                </a:solidFill>
+                <a:latin typeface="Arial" panose="020B0604020202020204" pitchFamily="34" charset="0"/>
+              </a:defRPr>
+            </a:lvl6pPr>
+            <a:lvl7pPr eaLnBrk="0" fontAlgn="base" hangingPunct="0">
+              <a:spcBef>
+                <a:spcPct val="0"/>
+              </a:spcBef>
+              <a:spcAft>
+                <a:spcPct val="0"/>
+              </a:spcAft>
+              <a:defRPr>
+                <a:solidFill>
+                  <a:schemeClr val="tx1"/>
+                </a:solidFill>
+                <a:latin typeface="Arial" panose="020B0604020202020204" pitchFamily="34" charset="0"/>
+              </a:defRPr>
+            </a:lvl7pPr>
+            <a:lvl8pPr eaLnBrk="0" fontAlgn="base" hangingPunct="0">
+              <a:spcBef>
+                <a:spcPct val="0"/>
+              </a:spcBef>
+              <a:spcAft>
+                <a:spcPct val="0"/>
+              </a:spcAft>
+              <a:defRPr>
+                <a:solidFill>
+                  <a:schemeClr val="tx1"/>
+                </a:solidFill>
+                <a:latin typeface="Arial" panose="020B0604020202020204" pitchFamily="34" charset="0"/>
+              </a:defRPr>
+            </a:lvl8pPr>
+            <a:lvl9pPr eaLnBrk="0" fontAlgn="base" hangingPunct="0">
+              <a:spcBef>
+                <a:spcPct val="0"/>
+              </a:spcBef>
+              <a:spcAft>
+                <a:spcPct val="0"/>
+              </a:spcAft>
+              <a:defRPr>
+                <a:solidFill>
+                  <a:schemeClr val="tx1"/>
+                </a:solidFill>
+                <a:latin typeface="Arial" panose="020B0604020202020204" pitchFamily="34" charset="0"/>
+              </a:defRPr>
+            </a:lvl9pPr>
+          </a:lstStyle>
+          <a:p>
+            <a:pPr marL="0" marR="0" lvl="0" indent="0" algn="l" defTabSz="914400" rtl="0" eaLnBrk="0" fontAlgn="ctr" latinLnBrk="0" hangingPunct="0">
+              <a:lnSpc>
+                <a:spcPct val="100000"/>
+              </a:lnSpc>
+              <a:spcBef>
+                <a:spcPct val="0"/>
+              </a:spcBef>
+              <a:spcAft>
+                <a:spcPct val="0"/>
+              </a:spcAft>
+              <a:buClrTx/>
+              <a:buSzTx/>
+              <a:buFontTx/>
+              <a:buNone/>
+              <a:tabLst/>
+            </a:pPr>
+            <a:r>
+              <a:rPr kumimoji="0" lang="en-US" altLang="en-US" sz="1000" b="0" i="0" u="none" strike="noStrike" cap="none" normalizeH="0" baseline="0" dirty="0">
+                <a:ln>
+                  <a:noFill/>
+                </a:ln>
+                <a:solidFill>
+                  <a:srgbClr val="444444"/>
+                </a:solidFill>
+                <a:effectLst/>
+                <a:latin typeface="Open Sans"/>
+              </a:rPr>
+              <a:t>To create an inverted index, we first split the </a:t>
+            </a:r>
+            <a:r>
+              <a:rPr kumimoji="0" lang="en-US" altLang="en-US" sz="1000" b="0" i="0" u="none" strike="noStrike" cap="none" normalizeH="0" baseline="0" dirty="0">
+                <a:ln>
+                  <a:noFill/>
+                </a:ln>
+                <a:solidFill>
+                  <a:srgbClr val="555555"/>
+                </a:solidFill>
+                <a:effectLst/>
+                <a:latin typeface="Consolas" panose="020B0609020204030204" pitchFamily="49" charset="0"/>
+                <a:cs typeface="Consolas" panose="020B0609020204030204" pitchFamily="49" charset="0"/>
+              </a:rPr>
+              <a:t>content</a:t>
+            </a:r>
+            <a:r>
+              <a:rPr kumimoji="0" lang="en-US" altLang="en-US" sz="1000" b="0" i="0" u="none" strike="noStrike" cap="none" normalizeH="0" baseline="0" dirty="0">
+                <a:ln>
+                  <a:noFill/>
+                </a:ln>
+                <a:solidFill>
+                  <a:srgbClr val="444444"/>
+                </a:solidFill>
+                <a:effectLst/>
+                <a:latin typeface="Open Sans"/>
+              </a:rPr>
+              <a:t> field of each document into separate words</a:t>
+            </a:r>
+            <a:endParaRPr kumimoji="0" lang="pl-PL" altLang="en-US" sz="1000" b="0" i="0" u="none" strike="noStrike" cap="none" normalizeH="0" baseline="0" dirty="0">
+              <a:ln>
+                <a:noFill/>
+              </a:ln>
+              <a:solidFill>
+                <a:srgbClr val="444444"/>
+              </a:solidFill>
+              <a:effectLst/>
+              <a:latin typeface="Open Sans"/>
+            </a:endParaRPr>
+          </a:p>
+          <a:p>
+            <a:pPr marL="0" marR="0" lvl="0" indent="0" algn="l" defTabSz="914400" rtl="0" eaLnBrk="0" fontAlgn="ctr" latinLnBrk="0" hangingPunct="0">
+              <a:lnSpc>
+                <a:spcPct val="100000"/>
+              </a:lnSpc>
+              <a:spcBef>
+                <a:spcPct val="0"/>
+              </a:spcBef>
+              <a:spcAft>
+                <a:spcPct val="0"/>
+              </a:spcAft>
+              <a:buClrTx/>
+              <a:buSzTx/>
+              <a:buFontTx/>
+              <a:buNone/>
+              <a:tabLst/>
+            </a:pPr>
+            <a:r>
+              <a:rPr kumimoji="0" lang="en-US" altLang="en-US" sz="1000" b="0" i="0" u="none" strike="noStrike" cap="none" normalizeH="0" baseline="0" dirty="0">
+                <a:ln>
+                  <a:noFill/>
+                </a:ln>
+                <a:solidFill>
+                  <a:srgbClr val="444444"/>
+                </a:solidFill>
+                <a:effectLst/>
+                <a:latin typeface="Open Sans"/>
+              </a:rPr>
+              <a:t> (which we call </a:t>
+            </a:r>
+            <a:r>
+              <a:rPr kumimoji="0" lang="en-US" altLang="en-US" sz="1000" b="0" i="1" u="none" strike="noStrike" cap="none" normalizeH="0" baseline="0" dirty="0">
+                <a:ln>
+                  <a:noFill/>
+                </a:ln>
+                <a:solidFill>
+                  <a:srgbClr val="444444"/>
+                </a:solidFill>
+                <a:effectLst/>
+                <a:latin typeface="Open Sans"/>
+              </a:rPr>
+              <a:t>terms</a:t>
+            </a:r>
+            <a:r>
+              <a:rPr kumimoji="0" lang="en-US" altLang="en-US" sz="1000" b="0" i="0" u="none" strike="noStrike" cap="none" normalizeH="0" baseline="0" dirty="0">
+                <a:ln>
+                  <a:noFill/>
+                </a:ln>
+                <a:solidFill>
+                  <a:srgbClr val="444444"/>
+                </a:solidFill>
+                <a:effectLst/>
+                <a:latin typeface="Open Sans"/>
+              </a:rPr>
+              <a:t>, or </a:t>
+            </a:r>
+            <a:r>
+              <a:rPr kumimoji="0" lang="en-US" altLang="en-US" sz="1000" b="0" i="1" u="none" strike="noStrike" cap="none" normalizeH="0" baseline="0" dirty="0">
+                <a:ln>
+                  <a:noFill/>
+                </a:ln>
+                <a:solidFill>
+                  <a:srgbClr val="444444"/>
+                </a:solidFill>
+                <a:effectLst/>
+                <a:latin typeface="Open Sans"/>
+              </a:rPr>
+              <a:t>tokens</a:t>
+            </a:r>
+            <a:r>
+              <a:rPr kumimoji="0" lang="en-US" altLang="en-US" sz="1000" b="0" i="0" u="none" strike="noStrike" cap="none" normalizeH="0" baseline="0" dirty="0">
+                <a:ln>
+                  <a:noFill/>
+                </a:ln>
+                <a:solidFill>
+                  <a:srgbClr val="444444"/>
+                </a:solidFill>
+                <a:effectLst/>
+                <a:latin typeface="Open Sans"/>
+              </a:rPr>
+              <a:t>), create a sorted list of all the unique terms, and then list in which</a:t>
+            </a:r>
+            <a:endParaRPr kumimoji="0" lang="pl-PL" altLang="en-US" sz="1000" b="0" i="0" u="none" strike="noStrike" cap="none" normalizeH="0" baseline="0" dirty="0">
+              <a:ln>
+                <a:noFill/>
+              </a:ln>
+              <a:solidFill>
+                <a:srgbClr val="444444"/>
+              </a:solidFill>
+              <a:effectLst/>
+              <a:latin typeface="Open Sans"/>
+            </a:endParaRPr>
+          </a:p>
+          <a:p>
+            <a:pPr marL="0" marR="0" lvl="0" indent="0" algn="l" defTabSz="914400" rtl="0" eaLnBrk="0" fontAlgn="ctr" latinLnBrk="0" hangingPunct="0">
+              <a:lnSpc>
+                <a:spcPct val="100000"/>
+              </a:lnSpc>
+              <a:spcBef>
+                <a:spcPct val="0"/>
+              </a:spcBef>
+              <a:spcAft>
+                <a:spcPct val="0"/>
+              </a:spcAft>
+              <a:buClrTx/>
+              <a:buSzTx/>
+              <a:buFontTx/>
+              <a:buNone/>
+              <a:tabLst/>
+            </a:pPr>
+            <a:r>
+              <a:rPr kumimoji="0" lang="en-US" altLang="en-US" sz="1000" b="0" i="0" u="none" strike="noStrike" cap="none" normalizeH="0" baseline="0" dirty="0">
+                <a:ln>
+                  <a:noFill/>
+                </a:ln>
+                <a:solidFill>
+                  <a:srgbClr val="444444"/>
+                </a:solidFill>
+                <a:effectLst/>
+                <a:latin typeface="Open Sans"/>
+              </a:rPr>
+              <a:t> document each term appears.</a:t>
+            </a:r>
+            <a:r>
+              <a:rPr kumimoji="0" lang="en-US" altLang="en-US" sz="1000" b="0" i="0" u="none" strike="noStrike" cap="none" normalizeH="0" baseline="0" dirty="0">
+                <a:ln>
+                  <a:noFill/>
+                </a:ln>
+                <a:solidFill>
+                  <a:schemeClr val="tx1"/>
+                </a:solidFill>
+                <a:effectLst/>
+              </a:rPr>
+              <a:t> </a:t>
+            </a:r>
+          </a:p>
+        </p:txBody>
+      </p:sp>
+      <p:pic>
+        <p:nvPicPr>
+          <p:cNvPr id="5" name="Obraz 4"/>
+          <p:cNvPicPr>
+            <a:picLocks noChangeAspect="1"/>
+          </p:cNvPicPr>
+          <p:nvPr/>
+        </p:nvPicPr>
+        <p:blipFill>
+          <a:blip r:embed="rId3"/>
+          <a:stretch>
+            <a:fillRect/>
+          </a:stretch>
+        </p:blipFill>
+        <p:spPr>
+          <a:xfrm>
+            <a:off x="7777079" y="4331337"/>
+            <a:ext cx="2028825" cy="1371600"/>
+          </a:xfrm>
+          <a:prstGeom prst="rect">
+            <a:avLst/>
+          </a:prstGeom>
+        </p:spPr>
+      </p:pic>
+      <p:sp>
+        <p:nvSpPr>
+          <p:cNvPr id="7" name="Rectangle 3"/>
+          <p:cNvSpPr>
+            <a:spLocks noChangeArrowheads="1"/>
+          </p:cNvSpPr>
+          <p:nvPr/>
+        </p:nvSpPr>
+        <p:spPr bwMode="auto">
+          <a:xfrm>
+            <a:off x="5955525" y="4331337"/>
+            <a:ext cx="1576072" cy="246221"/>
+          </a:xfrm>
+          <a:prstGeom prst="rect">
+            <a:avLst/>
+          </a:prstGeom>
+          <a:solidFill>
+            <a:srgbClr val="FFFFFF"/>
+          </a:solidFill>
+          <a:ln>
+            <a:noFill/>
+          </a:ln>
+          <a:effectLst/>
+          <a:extLst>
+            <a:ext uri="{91240B29-F687-4F45-9708-019B960494DF}">
+              <a14:hiddenLine xmlns:a14="http://schemas.microsoft.com/office/drawing/2010/main" w="9525">
+                <a:solidFill>
+                  <a:schemeClr val="tx1"/>
+                </a:solidFill>
+                <a:miter lim="800000"/>
+                <a:headEnd/>
+                <a:tailEnd/>
+              </a14:hiddenLine>
+            </a:ext>
+            <a:ext uri="{AF507438-7753-43E0-B8FC-AC1667EBCBE1}">
+              <a14:hiddenEffects xmlns:a14="http://schemas.microsoft.com/office/drawing/2010/main">
+                <a:effectLst>
+                  <a:outerShdw dist="35921" dir="2700000" algn="ctr" rotWithShape="0">
+                    <a:schemeClr val="bg2"/>
+                  </a:outerShdw>
+                </a:effectLst>
+              </a14:hiddenEffects>
+            </a:ext>
+          </a:extLst>
+        </p:spPr>
+        <p:txBody>
+          <a:bodyPr vert="horz" wrap="none" lIns="91440" tIns="45720" rIns="91440" bIns="45720" numCol="1" anchor="ctr" anchorCtr="0" compatLnSpc="1">
+            <a:prstTxWarp prst="textNoShape">
+              <a:avLst/>
+            </a:prstTxWarp>
+            <a:spAutoFit/>
+          </a:bodyPr>
+          <a:lstStyle>
+            <a:lvl1pPr eaLnBrk="0" fontAlgn="base" hangingPunct="0">
+              <a:spcBef>
+                <a:spcPct val="0"/>
+              </a:spcBef>
+              <a:spcAft>
+                <a:spcPct val="0"/>
+              </a:spcAft>
+              <a:defRPr>
+                <a:solidFill>
+                  <a:schemeClr val="tx1"/>
+                </a:solidFill>
+                <a:latin typeface="Arial" panose="020B0604020202020204" pitchFamily="34" charset="0"/>
+              </a:defRPr>
+            </a:lvl1pPr>
+            <a:lvl2pPr eaLnBrk="0" fontAlgn="base" hangingPunct="0">
+              <a:spcBef>
+                <a:spcPct val="0"/>
+              </a:spcBef>
+              <a:spcAft>
+                <a:spcPct val="0"/>
+              </a:spcAft>
+              <a:defRPr>
+                <a:solidFill>
+                  <a:schemeClr val="tx1"/>
+                </a:solidFill>
+                <a:latin typeface="Arial" panose="020B0604020202020204" pitchFamily="34" charset="0"/>
+              </a:defRPr>
+            </a:lvl2pPr>
+            <a:lvl3pPr eaLnBrk="0" fontAlgn="base" hangingPunct="0">
+              <a:spcBef>
+                <a:spcPct val="0"/>
+              </a:spcBef>
+              <a:spcAft>
+                <a:spcPct val="0"/>
+              </a:spcAft>
+              <a:defRPr>
+                <a:solidFill>
+                  <a:schemeClr val="tx1"/>
+                </a:solidFill>
+                <a:latin typeface="Arial" panose="020B0604020202020204" pitchFamily="34" charset="0"/>
+              </a:defRPr>
+            </a:lvl3pPr>
+            <a:lvl4pPr eaLnBrk="0" fontAlgn="base" hangingPunct="0">
+              <a:spcBef>
+                <a:spcPct val="0"/>
+              </a:spcBef>
+              <a:spcAft>
+                <a:spcPct val="0"/>
+              </a:spcAft>
+              <a:defRPr>
+                <a:solidFill>
+                  <a:schemeClr val="tx1"/>
+                </a:solidFill>
+                <a:latin typeface="Arial" panose="020B0604020202020204" pitchFamily="34" charset="0"/>
+              </a:defRPr>
+            </a:lvl4pPr>
+            <a:lvl5pPr eaLnBrk="0" fontAlgn="base" hangingPunct="0">
+              <a:spcBef>
+                <a:spcPct val="0"/>
+              </a:spcBef>
+              <a:spcAft>
+                <a:spcPct val="0"/>
+              </a:spcAft>
+              <a:defRPr>
+                <a:solidFill>
+                  <a:schemeClr val="tx1"/>
+                </a:solidFill>
+                <a:latin typeface="Arial" panose="020B0604020202020204" pitchFamily="34" charset="0"/>
+              </a:defRPr>
+            </a:lvl5pPr>
+            <a:lvl6pPr eaLnBrk="0" fontAlgn="base" hangingPunct="0">
+              <a:spcBef>
+                <a:spcPct val="0"/>
+              </a:spcBef>
+              <a:spcAft>
+                <a:spcPct val="0"/>
+              </a:spcAft>
+              <a:defRPr>
+                <a:solidFill>
+                  <a:schemeClr val="tx1"/>
+                </a:solidFill>
+                <a:latin typeface="Arial" panose="020B0604020202020204" pitchFamily="34" charset="0"/>
+              </a:defRPr>
+            </a:lvl6pPr>
+            <a:lvl7pPr eaLnBrk="0" fontAlgn="base" hangingPunct="0">
+              <a:spcBef>
+                <a:spcPct val="0"/>
+              </a:spcBef>
+              <a:spcAft>
+                <a:spcPct val="0"/>
+              </a:spcAft>
+              <a:defRPr>
+                <a:solidFill>
+                  <a:schemeClr val="tx1"/>
+                </a:solidFill>
+                <a:latin typeface="Arial" panose="020B0604020202020204" pitchFamily="34" charset="0"/>
+              </a:defRPr>
+            </a:lvl7pPr>
+            <a:lvl8pPr eaLnBrk="0" fontAlgn="base" hangingPunct="0">
+              <a:spcBef>
+                <a:spcPct val="0"/>
+              </a:spcBef>
+              <a:spcAft>
+                <a:spcPct val="0"/>
+              </a:spcAft>
+              <a:defRPr>
+                <a:solidFill>
+                  <a:schemeClr val="tx1"/>
+                </a:solidFill>
+                <a:latin typeface="Arial" panose="020B0604020202020204" pitchFamily="34" charset="0"/>
+              </a:defRPr>
+            </a:lvl8pPr>
+            <a:lvl9pPr eaLnBrk="0" fontAlgn="base" hangingPunct="0">
+              <a:spcBef>
+                <a:spcPct val="0"/>
+              </a:spcBef>
+              <a:spcAft>
+                <a:spcPct val="0"/>
+              </a:spcAft>
+              <a:defRPr>
+                <a:solidFill>
+                  <a:schemeClr val="tx1"/>
+                </a:solidFill>
+                <a:latin typeface="Arial" panose="020B0604020202020204" pitchFamily="34" charset="0"/>
+              </a:defRPr>
+            </a:lvl9pPr>
+          </a:lstStyle>
+          <a:p>
+            <a:pPr marL="0" marR="0" lvl="0" indent="0" algn="l" defTabSz="914400" rtl="0" eaLnBrk="0" fontAlgn="ctr" latinLnBrk="0" hangingPunct="0">
+              <a:lnSpc>
+                <a:spcPct val="100000"/>
+              </a:lnSpc>
+              <a:spcBef>
+                <a:spcPct val="0"/>
+              </a:spcBef>
+              <a:spcAft>
+                <a:spcPct val="0"/>
+              </a:spcAft>
+              <a:buClrTx/>
+              <a:buSzTx/>
+              <a:buFontTx/>
+              <a:buNone/>
+              <a:tabLst/>
+            </a:pPr>
+            <a:r>
+              <a:rPr kumimoji="0" lang="en-US" altLang="en-US" sz="1000" b="0" i="0" u="none" strike="noStrike" cap="none" normalizeH="0" baseline="0" dirty="0">
+                <a:ln>
+                  <a:noFill/>
+                </a:ln>
+                <a:solidFill>
+                  <a:srgbClr val="444444"/>
+                </a:solidFill>
+                <a:effectLst/>
+                <a:latin typeface="Open Sans"/>
+              </a:rPr>
+              <a:t>Search for „</a:t>
+            </a:r>
+            <a:r>
+              <a:rPr lang="en-US" altLang="en-US" sz="1000" dirty="0">
+                <a:solidFill>
+                  <a:srgbClr val="444444"/>
+                </a:solidFill>
+                <a:latin typeface="Open Sans"/>
+              </a:rPr>
+              <a:t>q</a:t>
+            </a:r>
+            <a:r>
+              <a:rPr kumimoji="0" lang="en-US" altLang="en-US" sz="1000" b="0" i="0" u="none" strike="noStrike" cap="none" normalizeH="0" baseline="0" dirty="0">
+                <a:ln>
+                  <a:noFill/>
+                </a:ln>
+                <a:solidFill>
+                  <a:srgbClr val="444444"/>
+                </a:solidFill>
+                <a:effectLst/>
+                <a:latin typeface="Open Sans"/>
+              </a:rPr>
+              <a:t>uick brown”</a:t>
+            </a:r>
+            <a:endParaRPr kumimoji="0" lang="en-US" altLang="en-US" sz="1000" b="0" i="0" u="none" strike="noStrike" cap="none" normalizeH="0" baseline="0" dirty="0">
+              <a:ln>
+                <a:noFill/>
+              </a:ln>
+              <a:solidFill>
+                <a:schemeClr val="tx1"/>
+              </a:solidFill>
+              <a:effectLst/>
+            </a:endParaRPr>
+          </a:p>
+        </p:txBody>
+      </p:sp>
+    </p:spTree>
+    <p:extLst>
+      <p:ext uri="{BB962C8B-B14F-4D97-AF65-F5344CB8AC3E}">
+        <p14:creationId xmlns:p14="http://schemas.microsoft.com/office/powerpoint/2010/main" val="1354883791"/>
+      </p:ext>
+    </p:extLst>
+  </p:cSld>
+  <p:clrMapOvr>
+    <a:masterClrMapping/>
+  </p:clrMapOvr>
+</p:sld>
+</file>
+
+<file path=ppt/slides/slide14.xml><?xml version="1.0" encoding="utf-8"?>
+<p:sld xmlns:a="http://schemas.openxmlformats.org/drawingml/2006/main" xmlns:r="http://schemas.openxmlformats.org/officeDocument/2006/relationships" xmlns:p="http://schemas.openxmlformats.org/presentationml/2006/main">
+  <p:cSld>
+    <p:spTree>
+      <p:nvGrpSpPr>
+        <p:cNvPr id="1" name=""/>
+        <p:cNvGrpSpPr/>
+        <p:nvPr/>
+      </p:nvGrpSpPr>
+      <p:grpSpPr>
+        <a:xfrm>
+          <a:off x="0" y="0"/>
+          <a:ext cx="0" cy="0"/>
+          <a:chOff x="0" y="0"/>
+          <a:chExt cx="0" cy="0"/>
+        </a:xfrm>
+      </p:grpSpPr>
+      <p:sp>
+        <p:nvSpPr>
+          <p:cNvPr id="2" name="Prostokąt 1"/>
+          <p:cNvSpPr/>
+          <p:nvPr/>
+        </p:nvSpPr>
+        <p:spPr>
+          <a:xfrm>
+            <a:off x="1979776" y="523238"/>
+            <a:ext cx="6096000" cy="769441"/>
+          </a:xfrm>
+          <a:prstGeom prst="rect">
+            <a:avLst/>
+          </a:prstGeom>
+        </p:spPr>
+        <p:txBody>
+          <a:bodyPr>
+            <a:spAutoFit/>
+          </a:bodyPr>
+          <a:lstStyle/>
+          <a:p>
+            <a:r>
+              <a:rPr lang="pl-PL" sz="4400" dirty="0">
+                <a:latin typeface="Aharoni" panose="02010803020104030203" pitchFamily="2" charset="-79"/>
+                <a:cs typeface="Aharoni" panose="02010803020104030203" pitchFamily="2" charset="-79"/>
+              </a:rPr>
+              <a:t>INVERTED INDEX</a:t>
+            </a:r>
+          </a:p>
+        </p:txBody>
+      </p:sp>
+      <p:sp>
+        <p:nvSpPr>
+          <p:cNvPr id="11" name="Prostokąt 10"/>
+          <p:cNvSpPr/>
+          <p:nvPr/>
+        </p:nvSpPr>
+        <p:spPr>
+          <a:xfrm>
+            <a:off x="1979776" y="1513543"/>
+            <a:ext cx="8855104" cy="738664"/>
+          </a:xfrm>
+          <a:prstGeom prst="rect">
+            <a:avLst/>
+          </a:prstGeom>
+        </p:spPr>
+        <p:txBody>
+          <a:bodyPr wrap="square">
+            <a:spAutoFit/>
+          </a:bodyPr>
+          <a:lstStyle/>
+          <a:p>
+            <a:r>
+              <a:rPr lang="pl-PL" sz="1400" dirty="0"/>
+              <a:t>- </a:t>
+            </a:r>
+            <a:r>
+              <a:rPr lang="en-US" sz="1400" dirty="0"/>
+              <a:t>Quick can be lowercased to become quick.</a:t>
+            </a:r>
+          </a:p>
+          <a:p>
+            <a:r>
+              <a:rPr lang="pl-PL" sz="1400" dirty="0"/>
+              <a:t>- </a:t>
+            </a:r>
+            <a:r>
+              <a:rPr lang="en-US" sz="1400" dirty="0"/>
+              <a:t>foxes can be stemmed--reduced to its root form—to become fox. Similarly, dogs could be stemmed to dog.</a:t>
+            </a:r>
+          </a:p>
+          <a:p>
+            <a:r>
+              <a:rPr lang="pl-PL" sz="1400" dirty="0"/>
+              <a:t>- </a:t>
+            </a:r>
+            <a:r>
+              <a:rPr lang="en-US" sz="1400" dirty="0"/>
+              <a:t>jumped and leap are synonyms and can be indexed as just the single term jump.</a:t>
+            </a:r>
+          </a:p>
+        </p:txBody>
+      </p:sp>
+      <p:pic>
+        <p:nvPicPr>
+          <p:cNvPr id="12" name="Obraz 11"/>
+          <p:cNvPicPr>
+            <a:picLocks noChangeAspect="1"/>
+          </p:cNvPicPr>
+          <p:nvPr/>
+        </p:nvPicPr>
+        <p:blipFill>
+          <a:blip r:embed="rId2"/>
+          <a:stretch>
+            <a:fillRect/>
+          </a:stretch>
+        </p:blipFill>
+        <p:spPr>
+          <a:xfrm>
+            <a:off x="1979776" y="2473071"/>
+            <a:ext cx="1943100" cy="2571750"/>
+          </a:xfrm>
+          <a:prstGeom prst="rect">
+            <a:avLst/>
+          </a:prstGeom>
+        </p:spPr>
+      </p:pic>
+      <p:sp>
+        <p:nvSpPr>
+          <p:cNvPr id="13" name="Prostokąt 12"/>
+          <p:cNvSpPr/>
+          <p:nvPr/>
+        </p:nvSpPr>
+        <p:spPr>
+          <a:xfrm>
+            <a:off x="1979776" y="5265685"/>
+            <a:ext cx="8855104" cy="738664"/>
+          </a:xfrm>
+          <a:prstGeom prst="rect">
+            <a:avLst/>
+          </a:prstGeom>
+        </p:spPr>
+        <p:txBody>
+          <a:bodyPr wrap="square">
+            <a:spAutoFit/>
+          </a:bodyPr>
+          <a:lstStyle/>
+          <a:p>
+            <a:r>
+              <a:rPr lang="pl-PL" sz="1400" dirty="0"/>
+              <a:t>The proces of </a:t>
+            </a:r>
+            <a:r>
+              <a:rPr lang="pl-PL" sz="1400" dirty="0" err="1"/>
+              <a:t>tokenization</a:t>
+            </a:r>
+            <a:r>
+              <a:rPr lang="pl-PL" sz="1400" dirty="0"/>
+              <a:t> and </a:t>
+            </a:r>
+            <a:r>
+              <a:rPr lang="pl-PL" sz="1400" dirty="0" err="1"/>
+              <a:t>normalization</a:t>
+            </a:r>
+            <a:r>
+              <a:rPr lang="pl-PL" sz="1400" dirty="0"/>
+              <a:t> </a:t>
+            </a:r>
+            <a:r>
+              <a:rPr lang="pl-PL" sz="1400" dirty="0" err="1"/>
+              <a:t>is</a:t>
+            </a:r>
+            <a:r>
+              <a:rPr lang="pl-PL" sz="1400" dirty="0"/>
+              <a:t> </a:t>
+            </a:r>
+            <a:r>
+              <a:rPr lang="pl-PL" sz="1400" dirty="0" err="1"/>
+              <a:t>called</a:t>
+            </a:r>
+            <a:r>
+              <a:rPr lang="pl-PL" sz="1400" dirty="0"/>
+              <a:t> </a:t>
+            </a:r>
+            <a:r>
+              <a:rPr lang="pl-PL" sz="1400" dirty="0" err="1"/>
+              <a:t>analysis</a:t>
+            </a:r>
+            <a:r>
+              <a:rPr lang="pl-PL" sz="1400" dirty="0"/>
+              <a:t>.</a:t>
+            </a:r>
+          </a:p>
+          <a:p>
+            <a:endParaRPr lang="pl-PL" sz="1400" dirty="0"/>
+          </a:p>
+          <a:p>
+            <a:r>
+              <a:rPr lang="pl-PL" sz="1400" b="1" dirty="0"/>
+              <a:t>The </a:t>
+            </a:r>
+            <a:r>
+              <a:rPr lang="pl-PL" sz="1400" b="1" dirty="0" err="1"/>
+              <a:t>indexed</a:t>
+            </a:r>
+            <a:r>
+              <a:rPr lang="pl-PL" sz="1400" b="1" dirty="0"/>
+              <a:t> </a:t>
+            </a:r>
+            <a:r>
+              <a:rPr lang="pl-PL" sz="1400" b="1" dirty="0" err="1"/>
+              <a:t>text</a:t>
+            </a:r>
+            <a:r>
+              <a:rPr lang="pl-PL" sz="1400" b="1" dirty="0"/>
+              <a:t> and the </a:t>
+            </a:r>
+            <a:r>
+              <a:rPr lang="pl-PL" sz="1400" b="1" dirty="0" err="1"/>
+              <a:t>query</a:t>
+            </a:r>
+            <a:r>
+              <a:rPr lang="pl-PL" sz="1400" b="1" dirty="0"/>
+              <a:t> string for </a:t>
+            </a:r>
+            <a:r>
+              <a:rPr lang="pl-PL" sz="1400" b="1" dirty="0" err="1"/>
+              <a:t>full</a:t>
+            </a:r>
+            <a:r>
+              <a:rPr lang="pl-PL" sz="1400" b="1" dirty="0"/>
+              <a:t> </a:t>
+            </a:r>
+            <a:r>
+              <a:rPr lang="pl-PL" sz="1400" b="1" dirty="0" err="1"/>
+              <a:t>text</a:t>
+            </a:r>
+            <a:r>
+              <a:rPr lang="pl-PL" sz="1400" b="1" dirty="0"/>
+              <a:t> </a:t>
+            </a:r>
+            <a:r>
+              <a:rPr lang="pl-PL" sz="1400" b="1" dirty="0" err="1"/>
+              <a:t>fields</a:t>
+            </a:r>
+            <a:r>
+              <a:rPr lang="pl-PL" sz="1400" b="1" dirty="0"/>
+              <a:t> – </a:t>
+            </a:r>
+            <a:r>
+              <a:rPr lang="pl-PL" sz="1400" b="1" dirty="0" err="1"/>
+              <a:t>both</a:t>
+            </a:r>
+            <a:r>
+              <a:rPr lang="pl-PL" sz="1400" b="1" dirty="0"/>
+              <a:t> </a:t>
+            </a:r>
+            <a:r>
+              <a:rPr lang="pl-PL" sz="1400" b="1" dirty="0" err="1"/>
+              <a:t>are</a:t>
+            </a:r>
+            <a:r>
+              <a:rPr lang="pl-PL" sz="1400" b="1" dirty="0"/>
+              <a:t> </a:t>
+            </a:r>
+            <a:r>
+              <a:rPr lang="pl-PL" sz="1400" b="1" dirty="0" err="1"/>
+              <a:t>being</a:t>
+            </a:r>
+            <a:r>
+              <a:rPr lang="pl-PL" sz="1400" b="1" dirty="0"/>
+              <a:t> </a:t>
+            </a:r>
+            <a:r>
+              <a:rPr lang="pl-PL" sz="1400" b="1" dirty="0" err="1"/>
+              <a:t>called</a:t>
+            </a:r>
+            <a:r>
+              <a:rPr lang="pl-PL" sz="1400" b="1" dirty="0"/>
+              <a:t> to </a:t>
+            </a:r>
+            <a:r>
+              <a:rPr lang="pl-PL" sz="1400" b="1" dirty="0" err="1"/>
+              <a:t>analysis</a:t>
+            </a:r>
+            <a:r>
+              <a:rPr lang="pl-PL" sz="1400" b="1" dirty="0"/>
+              <a:t>.</a:t>
+            </a:r>
+            <a:endParaRPr lang="en-US" sz="1400" b="1" dirty="0"/>
+          </a:p>
+        </p:txBody>
+      </p:sp>
+    </p:spTree>
+    <p:extLst>
+      <p:ext uri="{BB962C8B-B14F-4D97-AF65-F5344CB8AC3E}">
+        <p14:creationId xmlns:p14="http://schemas.microsoft.com/office/powerpoint/2010/main" val="2070592725"/>
+      </p:ext>
+    </p:extLst>
+  </p:cSld>
+  <p:clrMapOvr>
+    <a:masterClrMapping/>
+  </p:clrMapOvr>
+</p:sld>
+</file>
+
+<file path=ppt/slides/slide15.xml><?xml version="1.0" encoding="utf-8"?>
+<p:sld xmlns:a="http://schemas.openxmlformats.org/drawingml/2006/main" xmlns:r="http://schemas.openxmlformats.org/officeDocument/2006/relationships" xmlns:p="http://schemas.openxmlformats.org/presentationml/2006/main">
+  <p:cSld>
+    <p:spTree>
+      <p:nvGrpSpPr>
+        <p:cNvPr id="1" name=""/>
+        <p:cNvGrpSpPr/>
+        <p:nvPr/>
+      </p:nvGrpSpPr>
+      <p:grpSpPr>
+        <a:xfrm>
+          <a:off x="0" y="0"/>
+          <a:ext cx="0" cy="0"/>
+          <a:chOff x="0" y="0"/>
+          <a:chExt cx="0" cy="0"/>
+        </a:xfrm>
+      </p:grpSpPr>
+      <p:sp>
+        <p:nvSpPr>
+          <p:cNvPr id="2" name="Prostokąt 1"/>
+          <p:cNvSpPr/>
+          <p:nvPr/>
+        </p:nvSpPr>
+        <p:spPr>
+          <a:xfrm>
+            <a:off x="1979776" y="523238"/>
+            <a:ext cx="7601546" cy="769441"/>
+          </a:xfrm>
+          <a:prstGeom prst="rect">
+            <a:avLst/>
+          </a:prstGeom>
+        </p:spPr>
+        <p:txBody>
+          <a:bodyPr wrap="square">
+            <a:spAutoFit/>
+          </a:bodyPr>
+          <a:lstStyle/>
+          <a:p>
+            <a:r>
+              <a:rPr lang="pl-PL" sz="4400" dirty="0">
+                <a:latin typeface="Aharoni" panose="02010803020104030203" pitchFamily="2" charset="-79"/>
+                <a:cs typeface="Aharoni" panose="02010803020104030203" pitchFamily="2" charset="-79"/>
+              </a:rPr>
+              <a:t>ANALYSIS AND ANALYZERS</a:t>
+            </a:r>
+          </a:p>
+        </p:txBody>
+      </p:sp>
+      <p:sp>
+        <p:nvSpPr>
+          <p:cNvPr id="4" name="Prostokąt 3"/>
+          <p:cNvSpPr/>
+          <p:nvPr/>
+        </p:nvSpPr>
+        <p:spPr>
+          <a:xfrm>
+            <a:off x="1979776" y="1833455"/>
+            <a:ext cx="9427597" cy="3231654"/>
+          </a:xfrm>
+          <a:prstGeom prst="rect">
+            <a:avLst/>
+          </a:prstGeom>
+        </p:spPr>
+        <p:txBody>
+          <a:bodyPr wrap="square">
+            <a:spAutoFit/>
+          </a:bodyPr>
+          <a:lstStyle/>
+          <a:p>
+            <a:r>
+              <a:rPr lang="en-US" sz="1400" dirty="0"/>
+              <a:t>Analyzers</a:t>
+            </a:r>
+            <a:r>
+              <a:rPr lang="pl-PL" sz="1400" dirty="0"/>
+              <a:t> </a:t>
+            </a:r>
+            <a:r>
+              <a:rPr lang="en-US" sz="1400" dirty="0"/>
+              <a:t>functions</a:t>
+            </a:r>
+            <a:r>
+              <a:rPr lang="pl-PL" sz="1400" dirty="0"/>
+              <a:t>:</a:t>
+            </a:r>
+          </a:p>
+          <a:p>
+            <a:endParaRPr lang="pl-PL" sz="1400" dirty="0"/>
+          </a:p>
+          <a:p>
+            <a:r>
+              <a:rPr lang="en-US" sz="1400" b="1" u="sng" dirty="0"/>
+              <a:t>Character filters</a:t>
+            </a:r>
+          </a:p>
+          <a:p>
+            <a:pPr lvl="1"/>
+            <a:r>
+              <a:rPr lang="en-US" sz="1400" dirty="0"/>
+              <a:t>First, the string is passed through any character filters in turn. Their job is to tidy up the string before tokenization. A character filter could be used to strip out HTML, or to convert &amp; characters to the word and.</a:t>
+            </a:r>
+          </a:p>
+          <a:p>
+            <a:r>
+              <a:rPr lang="en-US" sz="1400" b="1" u="sng" dirty="0"/>
+              <a:t>Tokenizer</a:t>
+            </a:r>
+          </a:p>
+          <a:p>
+            <a:pPr lvl="1"/>
+            <a:r>
+              <a:rPr lang="en-US" sz="1400" dirty="0"/>
+              <a:t>Next, the string is tokenized into individual terms by a tokenizer. A simple tokenizer might split the text into terms whenever it encounters whitespace or punctuation.</a:t>
+            </a:r>
+          </a:p>
+          <a:p>
+            <a:r>
+              <a:rPr lang="en-US" sz="1400" b="1" u="sng" dirty="0"/>
+              <a:t>Token filters</a:t>
+            </a:r>
+          </a:p>
+          <a:p>
+            <a:pPr lvl="1"/>
+            <a:r>
+              <a:rPr lang="en-US" sz="1400" dirty="0"/>
+              <a:t>Last, each term is passed through any token filters in turn, which can change terms (for example, lowercasing Quick), remove terms (for example, </a:t>
+            </a:r>
+            <a:r>
+              <a:rPr lang="en-US" sz="1400" dirty="0" err="1"/>
+              <a:t>stopwords</a:t>
+            </a:r>
+            <a:r>
+              <a:rPr lang="en-US" sz="1400" dirty="0"/>
+              <a:t> such as a, and, the) or add terms (for example, synonyms like jump and leap).</a:t>
+            </a:r>
+            <a:endParaRPr lang="pl-PL" sz="1400" dirty="0"/>
+          </a:p>
+          <a:p>
+            <a:pPr lvl="1"/>
+            <a:endParaRPr lang="pl-PL" sz="1400" dirty="0"/>
+          </a:p>
+          <a:p>
+            <a:r>
+              <a:rPr lang="en-US" sz="1400" dirty="0" err="1"/>
+              <a:t>Elasticsearch</a:t>
+            </a:r>
+            <a:r>
+              <a:rPr lang="en-US" sz="1400" dirty="0"/>
+              <a:t> provides many character filters, tokenizers, and token filters out of the box. These can be combined to create custom analyzers suitable for different purposes.</a:t>
+            </a:r>
+            <a:endParaRPr lang="pl-PL" sz="1400" dirty="0"/>
+          </a:p>
+        </p:txBody>
+      </p:sp>
+    </p:spTree>
+    <p:extLst>
+      <p:ext uri="{BB962C8B-B14F-4D97-AF65-F5344CB8AC3E}">
+        <p14:creationId xmlns:p14="http://schemas.microsoft.com/office/powerpoint/2010/main" val="3122821026"/>
+      </p:ext>
+    </p:extLst>
+  </p:cSld>
+  <p:clrMapOvr>
+    <a:masterClrMapping/>
+  </p:clrMapOvr>
+</p:sld>
+</file>
+
+<file path=ppt/slides/slide16.xml><?xml version="1.0" encoding="utf-8"?>
+<p:sld xmlns:a="http://schemas.openxmlformats.org/drawingml/2006/main" xmlns:r="http://schemas.openxmlformats.org/officeDocument/2006/relationships" xmlns:p="http://schemas.openxmlformats.org/presentationml/2006/main">
+  <p:cSld>
+    <p:spTree>
+      <p:nvGrpSpPr>
+        <p:cNvPr id="1" name=""/>
+        <p:cNvGrpSpPr/>
+        <p:nvPr/>
+      </p:nvGrpSpPr>
+      <p:grpSpPr>
+        <a:xfrm>
+          <a:off x="0" y="0"/>
+          <a:ext cx="0" cy="0"/>
+          <a:chOff x="0" y="0"/>
+          <a:chExt cx="0" cy="0"/>
+        </a:xfrm>
+      </p:grpSpPr>
+      <p:sp>
+        <p:nvSpPr>
+          <p:cNvPr id="2" name="Prostokąt 1"/>
+          <p:cNvSpPr/>
+          <p:nvPr/>
+        </p:nvSpPr>
+        <p:spPr>
+          <a:xfrm>
+            <a:off x="1979776" y="523238"/>
+            <a:ext cx="7188078" cy="769441"/>
+          </a:xfrm>
+          <a:prstGeom prst="rect">
+            <a:avLst/>
+          </a:prstGeom>
+        </p:spPr>
+        <p:txBody>
+          <a:bodyPr wrap="square">
+            <a:spAutoFit/>
+          </a:bodyPr>
+          <a:lstStyle/>
+          <a:p>
+            <a:r>
+              <a:rPr lang="pl-PL" sz="4400" dirty="0">
+                <a:latin typeface="Aharoni" panose="02010803020104030203" pitchFamily="2" charset="-79"/>
+                <a:cs typeface="Aharoni" panose="02010803020104030203" pitchFamily="2" charset="-79"/>
+              </a:rPr>
+              <a:t>MAPPINGS – DATA TYPES</a:t>
+            </a:r>
+          </a:p>
+        </p:txBody>
+      </p:sp>
+      <p:graphicFrame>
+        <p:nvGraphicFramePr>
+          <p:cNvPr id="3" name="Tabela 2"/>
+          <p:cNvGraphicFramePr>
+            <a:graphicFrameLocks noGrp="1"/>
+          </p:cNvGraphicFramePr>
+          <p:nvPr>
+            <p:extLst>
+              <p:ext uri="{D42A27DB-BD31-4B8C-83A1-F6EECF244321}">
+                <p14:modId xmlns:p14="http://schemas.microsoft.com/office/powerpoint/2010/main" val="1369491419"/>
+              </p:ext>
+            </p:extLst>
+          </p:nvPr>
+        </p:nvGraphicFramePr>
+        <p:xfrm>
+          <a:off x="1979776" y="2356266"/>
+          <a:ext cx="6469812" cy="2059992"/>
+        </p:xfrm>
+        <a:graphic>
+          <a:graphicData uri="http://schemas.openxmlformats.org/drawingml/2006/table">
+            <a:tbl>
+              <a:tblPr/>
+              <a:tblGrid>
+                <a:gridCol w="3234906">
+                  <a:extLst>
+                    <a:ext uri="{9D8B030D-6E8A-4147-A177-3AD203B41FA5}">
+                      <a16:colId xmlns:a16="http://schemas.microsoft.com/office/drawing/2014/main" val="1274668398"/>
+                    </a:ext>
+                  </a:extLst>
+                </a:gridCol>
+                <a:gridCol w="3234906">
+                  <a:extLst>
+                    <a:ext uri="{9D8B030D-6E8A-4147-A177-3AD203B41FA5}">
+                      <a16:colId xmlns:a16="http://schemas.microsoft.com/office/drawing/2014/main" val="1215686768"/>
+                    </a:ext>
+                  </a:extLst>
+                </a:gridCol>
+              </a:tblGrid>
+              <a:tr h="0">
+                <a:tc>
+                  <a:txBody>
+                    <a:bodyPr/>
+                    <a:lstStyle/>
+                    <a:p>
+                      <a:pPr fontAlgn="t"/>
+                      <a:r>
+                        <a:rPr lang="en-US" b="1">
+                          <a:solidFill>
+                            <a:srgbClr val="444444"/>
+                          </a:solidFill>
+                          <a:effectLst/>
+                          <a:latin typeface="Open Sans"/>
+                        </a:rPr>
+                        <a:t>JSON type</a:t>
+                      </a:r>
+                      <a:endParaRPr lang="en-US" b="0">
+                        <a:solidFill>
+                          <a:srgbClr val="444444"/>
+                        </a:solidFill>
+                        <a:effectLst/>
+                      </a:endParaRPr>
+                    </a:p>
+                  </a:txBody>
+                  <a:tcPr marL="34506" marR="34506" marT="34506" marB="34506">
+                    <a:lnL>
+                      <a:noFill/>
+                    </a:lnL>
+                    <a:lnR>
+                      <a:noFill/>
+                    </a:lnR>
+                    <a:lnT>
+                      <a:noFill/>
+                    </a:lnT>
+                    <a:lnB w="8626" cap="flat" cmpd="sng" algn="ctr">
+                      <a:solidFill>
+                        <a:srgbClr val="E5EAE4"/>
+                      </a:solidFill>
+                      <a:prstDash val="solid"/>
+                      <a:round/>
+                      <a:headEnd type="none" w="med" len="med"/>
+                      <a:tailEnd type="none" w="med" len="med"/>
+                    </a:lnB>
+                    <a:solidFill>
+                      <a:srgbClr val="FFFFFF"/>
+                    </a:solidFill>
+                  </a:tcPr>
+                </a:tc>
+                <a:tc>
+                  <a:txBody>
+                    <a:bodyPr/>
+                    <a:lstStyle/>
+                    <a:p>
+                      <a:pPr fontAlgn="t"/>
+                      <a:r>
+                        <a:rPr lang="en-US" b="1">
+                          <a:solidFill>
+                            <a:srgbClr val="444444"/>
+                          </a:solidFill>
+                          <a:effectLst/>
+                          <a:latin typeface="Open Sans"/>
+                        </a:rPr>
+                        <a:t>Field type</a:t>
+                      </a:r>
+                      <a:endParaRPr lang="en-US" b="0">
+                        <a:solidFill>
+                          <a:srgbClr val="444444"/>
+                        </a:solidFill>
+                        <a:effectLst/>
+                      </a:endParaRPr>
+                    </a:p>
+                  </a:txBody>
+                  <a:tcPr marL="34506" marR="34506" marT="34506" marB="34506">
+                    <a:lnL>
+                      <a:noFill/>
+                    </a:lnL>
+                    <a:lnR>
+                      <a:noFill/>
+                    </a:lnR>
+                    <a:lnT>
+                      <a:noFill/>
+                    </a:lnT>
+                    <a:lnB w="8626" cap="flat" cmpd="sng" algn="ctr">
+                      <a:solidFill>
+                        <a:srgbClr val="E5EAE4"/>
+                      </a:solidFill>
+                      <a:prstDash val="solid"/>
+                      <a:round/>
+                      <a:headEnd type="none" w="med" len="med"/>
+                      <a:tailEnd type="none" w="med" len="med"/>
+                    </a:lnB>
+                    <a:solidFill>
+                      <a:srgbClr val="FFFFFF"/>
+                    </a:solidFill>
+                  </a:tcPr>
+                </a:tc>
+                <a:extLst>
+                  <a:ext uri="{0D108BD9-81ED-4DB2-BD59-A6C34878D82A}">
+                    <a16:rowId xmlns:a16="http://schemas.microsoft.com/office/drawing/2014/main" val="1064477066"/>
+                  </a:ext>
+                </a:extLst>
+              </a:tr>
+              <a:tr h="0">
+                <a:tc>
+                  <a:txBody>
+                    <a:bodyPr/>
+                    <a:lstStyle/>
+                    <a:p>
+                      <a:pPr fontAlgn="t"/>
+                      <a:r>
+                        <a:rPr lang="en-US" b="0">
+                          <a:solidFill>
+                            <a:srgbClr val="444444"/>
+                          </a:solidFill>
+                          <a:effectLst/>
+                        </a:rPr>
+                        <a:t>Boolean: true or false</a:t>
+                      </a:r>
+                    </a:p>
+                  </a:txBody>
+                  <a:tcPr marL="34506" marR="34506" marT="34506" marB="34506">
+                    <a:lnL>
+                      <a:noFill/>
+                    </a:lnL>
+                    <a:lnR>
+                      <a:noFill/>
+                    </a:lnR>
+                    <a:lnT w="8626" cap="flat" cmpd="sng" algn="ctr">
+                      <a:solidFill>
+                        <a:srgbClr val="E5EAE4"/>
+                      </a:solidFill>
+                      <a:prstDash val="solid"/>
+                      <a:round/>
+                      <a:headEnd type="none" w="med" len="med"/>
+                      <a:tailEnd type="none" w="med" len="med"/>
+                    </a:lnT>
+                    <a:lnB w="8626" cap="flat" cmpd="sng" algn="ctr">
+                      <a:solidFill>
+                        <a:srgbClr val="E5EAE4"/>
+                      </a:solidFill>
+                      <a:prstDash val="solid"/>
+                      <a:round/>
+                      <a:headEnd type="none" w="med" len="med"/>
+                      <a:tailEnd type="none" w="med" len="med"/>
+                    </a:lnB>
+                    <a:solidFill>
+                      <a:srgbClr val="FFFFFF"/>
+                    </a:solidFill>
+                  </a:tcPr>
+                </a:tc>
+                <a:tc>
+                  <a:txBody>
+                    <a:bodyPr/>
+                    <a:lstStyle/>
+                    <a:p>
+                      <a:pPr fontAlgn="t"/>
+                      <a:r>
+                        <a:rPr lang="en-US" b="0">
+                          <a:solidFill>
+                            <a:srgbClr val="444444"/>
+                          </a:solidFill>
+                          <a:effectLst/>
+                        </a:rPr>
+                        <a:t>boolean</a:t>
+                      </a:r>
+                    </a:p>
+                  </a:txBody>
+                  <a:tcPr marL="34506" marR="34506" marT="34506" marB="34506">
+                    <a:lnL>
+                      <a:noFill/>
+                    </a:lnL>
+                    <a:lnR>
+                      <a:noFill/>
+                    </a:lnR>
+                    <a:lnT w="8626" cap="flat" cmpd="sng" algn="ctr">
+                      <a:solidFill>
+                        <a:srgbClr val="E5EAE4"/>
+                      </a:solidFill>
+                      <a:prstDash val="solid"/>
+                      <a:round/>
+                      <a:headEnd type="none" w="med" len="med"/>
+                      <a:tailEnd type="none" w="med" len="med"/>
+                    </a:lnT>
+                    <a:lnB w="8626" cap="flat" cmpd="sng" algn="ctr">
+                      <a:solidFill>
+                        <a:srgbClr val="E5EAE4"/>
+                      </a:solidFill>
+                      <a:prstDash val="solid"/>
+                      <a:round/>
+                      <a:headEnd type="none" w="med" len="med"/>
+                      <a:tailEnd type="none" w="med" len="med"/>
+                    </a:lnB>
+                    <a:solidFill>
+                      <a:srgbClr val="FFFFFF"/>
+                    </a:solidFill>
+                  </a:tcPr>
+                </a:tc>
+                <a:extLst>
+                  <a:ext uri="{0D108BD9-81ED-4DB2-BD59-A6C34878D82A}">
+                    <a16:rowId xmlns:a16="http://schemas.microsoft.com/office/drawing/2014/main" val="353235932"/>
+                  </a:ext>
+                </a:extLst>
+              </a:tr>
+              <a:tr h="0">
+                <a:tc>
+                  <a:txBody>
+                    <a:bodyPr/>
+                    <a:lstStyle/>
+                    <a:p>
+                      <a:pPr fontAlgn="t"/>
+                      <a:r>
+                        <a:rPr lang="en-US" b="0">
+                          <a:solidFill>
+                            <a:srgbClr val="444444"/>
+                          </a:solidFill>
+                          <a:effectLst/>
+                        </a:rPr>
+                        <a:t>Whole number: 123</a:t>
+                      </a:r>
+                    </a:p>
+                  </a:txBody>
+                  <a:tcPr marL="34506" marR="34506" marT="34506" marB="34506">
+                    <a:lnL>
+                      <a:noFill/>
+                    </a:lnL>
+                    <a:lnR>
+                      <a:noFill/>
+                    </a:lnR>
+                    <a:lnT w="8626" cap="flat" cmpd="sng" algn="ctr">
+                      <a:solidFill>
+                        <a:srgbClr val="E5EAE4"/>
+                      </a:solidFill>
+                      <a:prstDash val="solid"/>
+                      <a:round/>
+                      <a:headEnd type="none" w="med" len="med"/>
+                      <a:tailEnd type="none" w="med" len="med"/>
+                    </a:lnT>
+                    <a:lnB w="8626" cap="flat" cmpd="sng" algn="ctr">
+                      <a:solidFill>
+                        <a:srgbClr val="E5EAE4"/>
+                      </a:solidFill>
+                      <a:prstDash val="solid"/>
+                      <a:round/>
+                      <a:headEnd type="none" w="med" len="med"/>
+                      <a:tailEnd type="none" w="med" len="med"/>
+                    </a:lnB>
+                    <a:solidFill>
+                      <a:srgbClr val="FFFFFF"/>
+                    </a:solidFill>
+                  </a:tcPr>
+                </a:tc>
+                <a:tc>
+                  <a:txBody>
+                    <a:bodyPr/>
+                    <a:lstStyle/>
+                    <a:p>
+                      <a:pPr fontAlgn="t"/>
+                      <a:r>
+                        <a:rPr lang="en-US" b="0">
+                          <a:solidFill>
+                            <a:srgbClr val="444444"/>
+                          </a:solidFill>
+                          <a:effectLst/>
+                        </a:rPr>
+                        <a:t>long</a:t>
+                      </a:r>
+                    </a:p>
+                  </a:txBody>
+                  <a:tcPr marL="34506" marR="34506" marT="34506" marB="34506">
+                    <a:lnL>
+                      <a:noFill/>
+                    </a:lnL>
+                    <a:lnR>
+                      <a:noFill/>
+                    </a:lnR>
+                    <a:lnT w="8626" cap="flat" cmpd="sng" algn="ctr">
+                      <a:solidFill>
+                        <a:srgbClr val="E5EAE4"/>
+                      </a:solidFill>
+                      <a:prstDash val="solid"/>
+                      <a:round/>
+                      <a:headEnd type="none" w="med" len="med"/>
+                      <a:tailEnd type="none" w="med" len="med"/>
+                    </a:lnT>
+                    <a:lnB w="8626" cap="flat" cmpd="sng" algn="ctr">
+                      <a:solidFill>
+                        <a:srgbClr val="E5EAE4"/>
+                      </a:solidFill>
+                      <a:prstDash val="solid"/>
+                      <a:round/>
+                      <a:headEnd type="none" w="med" len="med"/>
+                      <a:tailEnd type="none" w="med" len="med"/>
+                    </a:lnB>
+                    <a:solidFill>
+                      <a:srgbClr val="FFFFFF"/>
+                    </a:solidFill>
+                  </a:tcPr>
+                </a:tc>
+                <a:extLst>
+                  <a:ext uri="{0D108BD9-81ED-4DB2-BD59-A6C34878D82A}">
+                    <a16:rowId xmlns:a16="http://schemas.microsoft.com/office/drawing/2014/main" val="305036140"/>
+                  </a:ext>
+                </a:extLst>
+              </a:tr>
+              <a:tr h="0">
+                <a:tc>
+                  <a:txBody>
+                    <a:bodyPr/>
+                    <a:lstStyle/>
+                    <a:p>
+                      <a:pPr fontAlgn="t"/>
+                      <a:r>
+                        <a:rPr lang="en-US" b="0">
+                          <a:solidFill>
+                            <a:srgbClr val="444444"/>
+                          </a:solidFill>
+                          <a:effectLst/>
+                        </a:rPr>
+                        <a:t>Floating point: 123.45</a:t>
+                      </a:r>
+                    </a:p>
+                  </a:txBody>
+                  <a:tcPr marL="34506" marR="34506" marT="34506" marB="34506">
+                    <a:lnL>
+                      <a:noFill/>
+                    </a:lnL>
+                    <a:lnR>
+                      <a:noFill/>
+                    </a:lnR>
+                    <a:lnT w="8626" cap="flat" cmpd="sng" algn="ctr">
+                      <a:solidFill>
+                        <a:srgbClr val="E5EAE4"/>
+                      </a:solidFill>
+                      <a:prstDash val="solid"/>
+                      <a:round/>
+                      <a:headEnd type="none" w="med" len="med"/>
+                      <a:tailEnd type="none" w="med" len="med"/>
+                    </a:lnT>
+                    <a:lnB w="8626" cap="flat" cmpd="sng" algn="ctr">
+                      <a:solidFill>
+                        <a:srgbClr val="E5EAE4"/>
+                      </a:solidFill>
+                      <a:prstDash val="solid"/>
+                      <a:round/>
+                      <a:headEnd type="none" w="med" len="med"/>
+                      <a:tailEnd type="none" w="med" len="med"/>
+                    </a:lnB>
+                    <a:solidFill>
+                      <a:srgbClr val="FFFFFF"/>
+                    </a:solidFill>
+                  </a:tcPr>
+                </a:tc>
+                <a:tc>
+                  <a:txBody>
+                    <a:bodyPr/>
+                    <a:lstStyle/>
+                    <a:p>
+                      <a:pPr fontAlgn="t"/>
+                      <a:r>
+                        <a:rPr lang="en-US" b="0">
+                          <a:solidFill>
+                            <a:srgbClr val="444444"/>
+                          </a:solidFill>
+                          <a:effectLst/>
+                        </a:rPr>
+                        <a:t>double</a:t>
+                      </a:r>
+                    </a:p>
+                  </a:txBody>
+                  <a:tcPr marL="34506" marR="34506" marT="34506" marB="34506">
+                    <a:lnL>
+                      <a:noFill/>
+                    </a:lnL>
+                    <a:lnR>
+                      <a:noFill/>
+                    </a:lnR>
+                    <a:lnT w="8626" cap="flat" cmpd="sng" algn="ctr">
+                      <a:solidFill>
+                        <a:srgbClr val="E5EAE4"/>
+                      </a:solidFill>
+                      <a:prstDash val="solid"/>
+                      <a:round/>
+                      <a:headEnd type="none" w="med" len="med"/>
+                      <a:tailEnd type="none" w="med" len="med"/>
+                    </a:lnT>
+                    <a:lnB w="8626" cap="flat" cmpd="sng" algn="ctr">
+                      <a:solidFill>
+                        <a:srgbClr val="E5EAE4"/>
+                      </a:solidFill>
+                      <a:prstDash val="solid"/>
+                      <a:round/>
+                      <a:headEnd type="none" w="med" len="med"/>
+                      <a:tailEnd type="none" w="med" len="med"/>
+                    </a:lnB>
+                    <a:solidFill>
+                      <a:srgbClr val="FFFFFF"/>
+                    </a:solidFill>
+                  </a:tcPr>
+                </a:tc>
+                <a:extLst>
+                  <a:ext uri="{0D108BD9-81ED-4DB2-BD59-A6C34878D82A}">
+                    <a16:rowId xmlns:a16="http://schemas.microsoft.com/office/drawing/2014/main" val="1853065061"/>
+                  </a:ext>
+                </a:extLst>
+              </a:tr>
+              <a:tr h="0">
+                <a:tc>
+                  <a:txBody>
+                    <a:bodyPr/>
+                    <a:lstStyle/>
+                    <a:p>
+                      <a:pPr fontAlgn="t"/>
+                      <a:r>
+                        <a:rPr lang="en-US" b="0">
+                          <a:solidFill>
+                            <a:srgbClr val="444444"/>
+                          </a:solidFill>
+                          <a:effectLst/>
+                        </a:rPr>
+                        <a:t>String, valid date: 2014-09-15</a:t>
+                      </a:r>
+                    </a:p>
+                  </a:txBody>
+                  <a:tcPr marL="34506" marR="34506" marT="34506" marB="34506">
+                    <a:lnL>
+                      <a:noFill/>
+                    </a:lnL>
+                    <a:lnR>
+                      <a:noFill/>
+                    </a:lnR>
+                    <a:lnT w="8626" cap="flat" cmpd="sng" algn="ctr">
+                      <a:solidFill>
+                        <a:srgbClr val="E5EAE4"/>
+                      </a:solidFill>
+                      <a:prstDash val="solid"/>
+                      <a:round/>
+                      <a:headEnd type="none" w="med" len="med"/>
+                      <a:tailEnd type="none" w="med" len="med"/>
+                    </a:lnT>
+                    <a:lnB w="8626" cap="flat" cmpd="sng" algn="ctr">
+                      <a:solidFill>
+                        <a:srgbClr val="E5EAE4"/>
+                      </a:solidFill>
+                      <a:prstDash val="solid"/>
+                      <a:round/>
+                      <a:headEnd type="none" w="med" len="med"/>
+                      <a:tailEnd type="none" w="med" len="med"/>
+                    </a:lnB>
+                    <a:solidFill>
+                      <a:srgbClr val="FFFFFF"/>
+                    </a:solidFill>
+                  </a:tcPr>
+                </a:tc>
+                <a:tc>
+                  <a:txBody>
+                    <a:bodyPr/>
+                    <a:lstStyle/>
+                    <a:p>
+                      <a:pPr fontAlgn="t"/>
+                      <a:r>
+                        <a:rPr lang="en-US" b="0">
+                          <a:solidFill>
+                            <a:srgbClr val="444444"/>
+                          </a:solidFill>
+                          <a:effectLst/>
+                        </a:rPr>
+                        <a:t>date</a:t>
+                      </a:r>
+                    </a:p>
+                  </a:txBody>
+                  <a:tcPr marL="34506" marR="34506" marT="34506" marB="34506">
+                    <a:lnL>
+                      <a:noFill/>
+                    </a:lnL>
+                    <a:lnR>
+                      <a:noFill/>
+                    </a:lnR>
+                    <a:lnT w="8626" cap="flat" cmpd="sng" algn="ctr">
+                      <a:solidFill>
+                        <a:srgbClr val="E5EAE4"/>
+                      </a:solidFill>
+                      <a:prstDash val="solid"/>
+                      <a:round/>
+                      <a:headEnd type="none" w="med" len="med"/>
+                      <a:tailEnd type="none" w="med" len="med"/>
+                    </a:lnT>
+                    <a:lnB w="8626" cap="flat" cmpd="sng" algn="ctr">
+                      <a:solidFill>
+                        <a:srgbClr val="E5EAE4"/>
+                      </a:solidFill>
+                      <a:prstDash val="solid"/>
+                      <a:round/>
+                      <a:headEnd type="none" w="med" len="med"/>
+                      <a:tailEnd type="none" w="med" len="med"/>
+                    </a:lnB>
+                    <a:solidFill>
+                      <a:srgbClr val="FFFFFF"/>
+                    </a:solidFill>
+                  </a:tcPr>
+                </a:tc>
+                <a:extLst>
+                  <a:ext uri="{0D108BD9-81ED-4DB2-BD59-A6C34878D82A}">
+                    <a16:rowId xmlns:a16="http://schemas.microsoft.com/office/drawing/2014/main" val="2929476567"/>
+                  </a:ext>
+                </a:extLst>
+              </a:tr>
+              <a:tr h="0">
+                <a:tc>
+                  <a:txBody>
+                    <a:bodyPr/>
+                    <a:lstStyle/>
+                    <a:p>
+                      <a:pPr fontAlgn="t"/>
+                      <a:r>
+                        <a:rPr lang="en-US" b="0">
+                          <a:solidFill>
+                            <a:srgbClr val="444444"/>
+                          </a:solidFill>
+                          <a:effectLst/>
+                        </a:rPr>
+                        <a:t>String: foo bar</a:t>
+                      </a:r>
+                    </a:p>
+                  </a:txBody>
+                  <a:tcPr marL="34506" marR="34506" marT="34506" marB="34506">
+                    <a:lnL>
+                      <a:noFill/>
+                    </a:lnL>
+                    <a:lnR>
+                      <a:noFill/>
+                    </a:lnR>
+                    <a:lnT w="8626" cap="flat" cmpd="sng" algn="ctr">
+                      <a:solidFill>
+                        <a:srgbClr val="E5EAE4"/>
+                      </a:solidFill>
+                      <a:prstDash val="solid"/>
+                      <a:round/>
+                      <a:headEnd type="none" w="med" len="med"/>
+                      <a:tailEnd type="none" w="med" len="med"/>
+                    </a:lnT>
+                    <a:lnB>
+                      <a:noFill/>
+                    </a:lnB>
+                    <a:solidFill>
+                      <a:srgbClr val="FFFFFF"/>
+                    </a:solidFill>
+                  </a:tcPr>
+                </a:tc>
+                <a:tc>
+                  <a:txBody>
+                    <a:bodyPr/>
+                    <a:lstStyle/>
+                    <a:p>
+                      <a:pPr fontAlgn="t"/>
+                      <a:r>
+                        <a:rPr lang="en-US" b="0" dirty="0">
+                          <a:solidFill>
+                            <a:srgbClr val="444444"/>
+                          </a:solidFill>
+                          <a:effectLst/>
+                        </a:rPr>
+                        <a:t>string</a:t>
+                      </a:r>
+                    </a:p>
+                  </a:txBody>
+                  <a:tcPr marL="34506" marR="34506" marT="34506" marB="34506">
+                    <a:lnL>
+                      <a:noFill/>
+                    </a:lnL>
+                    <a:lnR>
+                      <a:noFill/>
+                    </a:lnR>
+                    <a:lnT w="8626" cap="flat" cmpd="sng" algn="ctr">
+                      <a:solidFill>
+                        <a:srgbClr val="E5EAE4"/>
+                      </a:solidFill>
+                      <a:prstDash val="solid"/>
+                      <a:round/>
+                      <a:headEnd type="none" w="med" len="med"/>
+                      <a:tailEnd type="none" w="med" len="med"/>
+                    </a:lnT>
+                    <a:lnB>
+                      <a:noFill/>
+                    </a:lnB>
+                    <a:solidFill>
+                      <a:srgbClr val="FFFFFF"/>
+                    </a:solidFill>
+                  </a:tcPr>
+                </a:tc>
+                <a:extLst>
+                  <a:ext uri="{0D108BD9-81ED-4DB2-BD59-A6C34878D82A}">
+                    <a16:rowId xmlns:a16="http://schemas.microsoft.com/office/drawing/2014/main" val="3044575124"/>
+                  </a:ext>
+                </a:extLst>
+              </a:tr>
+            </a:tbl>
+          </a:graphicData>
+        </a:graphic>
+      </p:graphicFrame>
+    </p:spTree>
+    <p:extLst>
+      <p:ext uri="{BB962C8B-B14F-4D97-AF65-F5344CB8AC3E}">
+        <p14:creationId xmlns:p14="http://schemas.microsoft.com/office/powerpoint/2010/main" val="2264186431"/>
+      </p:ext>
+    </p:extLst>
+  </p:cSld>
+  <p:clrMapOvr>
+    <a:masterClrMapping/>
+  </p:clrMapOvr>
+</p:sld>
+</file>
+
+<file path=ppt/slides/slide17.xml><?xml version="1.0" encoding="utf-8"?>
+<p:sld xmlns:a="http://schemas.openxmlformats.org/drawingml/2006/main" xmlns:r="http://schemas.openxmlformats.org/officeDocument/2006/relationships" xmlns:p="http://schemas.openxmlformats.org/presentationml/2006/main">
+  <p:cSld>
+    <p:spTree>
+      <p:nvGrpSpPr>
+        <p:cNvPr id="1" name=""/>
+        <p:cNvGrpSpPr/>
+        <p:nvPr/>
+      </p:nvGrpSpPr>
+      <p:grpSpPr>
+        <a:xfrm>
+          <a:off x="0" y="0"/>
+          <a:ext cx="0" cy="0"/>
+          <a:chOff x="0" y="0"/>
+          <a:chExt cx="0" cy="0"/>
+        </a:xfrm>
+      </p:grpSpPr>
+      <p:sp>
+        <p:nvSpPr>
+          <p:cNvPr id="2" name="Prostokąt 1"/>
+          <p:cNvSpPr/>
+          <p:nvPr/>
+        </p:nvSpPr>
+        <p:spPr>
+          <a:xfrm>
+            <a:off x="1979776" y="523238"/>
+            <a:ext cx="6096000" cy="769441"/>
+          </a:xfrm>
+          <a:prstGeom prst="rect">
+            <a:avLst/>
+          </a:prstGeom>
+        </p:spPr>
+        <p:txBody>
+          <a:bodyPr>
+            <a:spAutoFit/>
+          </a:bodyPr>
+          <a:lstStyle/>
+          <a:p>
+            <a:r>
+              <a:rPr lang="pl-PL" sz="4400" dirty="0">
+                <a:latin typeface="Aharoni" panose="02010803020104030203" pitchFamily="2" charset="-79"/>
+                <a:cs typeface="Aharoni" panose="02010803020104030203" pitchFamily="2" charset="-79"/>
+              </a:rPr>
+              <a:t>RELEVANCE</a:t>
+            </a:r>
+          </a:p>
+        </p:txBody>
+      </p:sp>
+      <p:sp>
+        <p:nvSpPr>
+          <p:cNvPr id="4" name="Prostokąt 3"/>
+          <p:cNvSpPr/>
+          <p:nvPr/>
+        </p:nvSpPr>
+        <p:spPr>
+          <a:xfrm>
+            <a:off x="1979775" y="1443841"/>
+            <a:ext cx="8595459" cy="3416320"/>
+          </a:xfrm>
+          <a:prstGeom prst="rect">
+            <a:avLst/>
+          </a:prstGeom>
+        </p:spPr>
+        <p:txBody>
+          <a:bodyPr wrap="square">
+            <a:spAutoFit/>
+          </a:bodyPr>
+          <a:lstStyle/>
+          <a:p>
+            <a:r>
+              <a:rPr lang="en-US" b="1" u="sng" dirty="0"/>
+              <a:t>Term frequency</a:t>
+            </a:r>
+          </a:p>
+          <a:p>
+            <a:pPr lvl="1"/>
+            <a:r>
+              <a:rPr lang="en-US" dirty="0"/>
+              <a:t>How often does the term appear in the field? The more often, the more relevant. A field containing five mentions of the same term is more likely to be relevant than a field containing just one mention.</a:t>
+            </a:r>
+          </a:p>
+          <a:p>
+            <a:r>
+              <a:rPr lang="en-US" b="1" u="sng" dirty="0"/>
+              <a:t>Inverse document frequency</a:t>
+            </a:r>
+          </a:p>
+          <a:p>
+            <a:pPr lvl="1"/>
+            <a:r>
+              <a:rPr lang="en-US" dirty="0"/>
+              <a:t>How often does each term appear in the index? The more often, the less relevant. Terms that appear in many documents have a lower weight than more-uncommon terms.</a:t>
+            </a:r>
+          </a:p>
+          <a:p>
+            <a:r>
+              <a:rPr lang="en-US" b="1" u="sng" dirty="0"/>
+              <a:t>Field-length norm</a:t>
+            </a:r>
+          </a:p>
+          <a:p>
+            <a:pPr lvl="1"/>
+            <a:r>
+              <a:rPr lang="en-US" dirty="0"/>
+              <a:t>How long is the field? The longer it is, the less likely it is that words in the field will be relevant. A term appearing in a short title field carries more weight than the same term appearing in a long content field.</a:t>
+            </a:r>
+          </a:p>
+        </p:txBody>
+      </p:sp>
+    </p:spTree>
+    <p:extLst>
+      <p:ext uri="{BB962C8B-B14F-4D97-AF65-F5344CB8AC3E}">
+        <p14:creationId xmlns:p14="http://schemas.microsoft.com/office/powerpoint/2010/main" val="522682903"/>
+      </p:ext>
+    </p:extLst>
+  </p:cSld>
+  <p:clrMapOvr>
+    <a:masterClrMapping/>
+  </p:clrMapOvr>
+</p:sld>
+</file>
+
+<file path=ppt/slides/slide18.xml><?xml version="1.0" encoding="utf-8"?>
+<p:sld xmlns:a="http://schemas.openxmlformats.org/drawingml/2006/main" xmlns:r="http://schemas.openxmlformats.org/officeDocument/2006/relationships" xmlns:p="http://schemas.openxmlformats.org/presentationml/2006/main">
+  <p:cSld>
+    <p:spTree>
+      <p:nvGrpSpPr>
+        <p:cNvPr id="1" name=""/>
+        <p:cNvGrpSpPr/>
+        <p:nvPr/>
+      </p:nvGrpSpPr>
+      <p:grpSpPr>
+        <a:xfrm>
+          <a:off x="0" y="0"/>
+          <a:ext cx="0" cy="0"/>
+          <a:chOff x="0" y="0"/>
+          <a:chExt cx="0" cy="0"/>
+        </a:xfrm>
+      </p:grpSpPr>
+      <p:sp>
+        <p:nvSpPr>
+          <p:cNvPr id="2" name="Prostokąt 1"/>
+          <p:cNvSpPr/>
+          <p:nvPr/>
+        </p:nvSpPr>
+        <p:spPr>
+          <a:xfrm>
+            <a:off x="1469877" y="2497317"/>
+            <a:ext cx="9733659" cy="769441"/>
+          </a:xfrm>
+          <a:prstGeom prst="rect">
+            <a:avLst/>
+          </a:prstGeom>
+        </p:spPr>
+        <p:txBody>
+          <a:bodyPr wrap="square">
+            <a:spAutoFit/>
+          </a:bodyPr>
+          <a:lstStyle/>
+          <a:p>
+            <a:pPr algn="ctr"/>
+            <a:r>
+              <a:rPr lang="pl-PL" sz="4400" dirty="0">
+                <a:latin typeface="Aharoni" panose="02010803020104030203" pitchFamily="2" charset="-79"/>
+                <a:cs typeface="Aharoni" panose="02010803020104030203" pitchFamily="2" charset="-79"/>
+              </a:rPr>
+              <a:t>SHARDS AND REPLICAS</a:t>
+            </a:r>
+          </a:p>
+        </p:txBody>
+      </p:sp>
+    </p:spTree>
+    <p:extLst>
+      <p:ext uri="{BB962C8B-B14F-4D97-AF65-F5344CB8AC3E}">
+        <p14:creationId xmlns:p14="http://schemas.microsoft.com/office/powerpoint/2010/main" val="615730650"/>
+      </p:ext>
+    </p:extLst>
+  </p:cSld>
+  <p:clrMapOvr>
+    <a:masterClrMapping/>
+  </p:clrMapOvr>
+</p:sld>
+</file>
+
+<file path=ppt/slides/slide19.xml><?xml version="1.0" encoding="utf-8"?>
+<p:sld xmlns:a="http://schemas.openxmlformats.org/drawingml/2006/main" xmlns:r="http://schemas.openxmlformats.org/officeDocument/2006/relationships" xmlns:p="http://schemas.openxmlformats.org/presentationml/2006/main">
+  <p:cSld>
+    <p:spTree>
+      <p:nvGrpSpPr>
+        <p:cNvPr id="1" name=""/>
+        <p:cNvGrpSpPr/>
+        <p:nvPr/>
+      </p:nvGrpSpPr>
+      <p:grpSpPr>
+        <a:xfrm>
+          <a:off x="0" y="0"/>
+          <a:ext cx="0" cy="0"/>
+          <a:chOff x="0" y="0"/>
+          <a:chExt cx="0" cy="0"/>
+        </a:xfrm>
+      </p:grpSpPr>
+      <p:sp>
+        <p:nvSpPr>
+          <p:cNvPr id="2" name="Prostokąt 1"/>
+          <p:cNvSpPr/>
+          <p:nvPr/>
+        </p:nvSpPr>
+        <p:spPr>
+          <a:xfrm>
+            <a:off x="1979775" y="523238"/>
+            <a:ext cx="9881787" cy="769441"/>
+          </a:xfrm>
+          <a:prstGeom prst="rect">
+            <a:avLst/>
+          </a:prstGeom>
+        </p:spPr>
+        <p:txBody>
+          <a:bodyPr wrap="square">
+            <a:spAutoFit/>
+          </a:bodyPr>
+          <a:lstStyle/>
+          <a:p>
+            <a:r>
+              <a:rPr lang="pl-PL" sz="4400" dirty="0">
+                <a:latin typeface="Aharoni" panose="02010803020104030203" pitchFamily="2" charset="-79"/>
+                <a:cs typeface="Aharoni" panose="02010803020104030203" pitchFamily="2" charset="-79"/>
+              </a:rPr>
+              <a:t>ADVANCED: SHARED AND REPLICAS</a:t>
+            </a:r>
+          </a:p>
+        </p:txBody>
+      </p:sp>
+      <p:sp>
+        <p:nvSpPr>
+          <p:cNvPr id="5" name="Prostokąt 4"/>
+          <p:cNvSpPr/>
+          <p:nvPr/>
+        </p:nvSpPr>
+        <p:spPr>
+          <a:xfrm>
+            <a:off x="1979775" y="1566145"/>
+            <a:ext cx="9522863" cy="3693319"/>
+          </a:xfrm>
+          <a:prstGeom prst="rect">
+            <a:avLst/>
+          </a:prstGeom>
+        </p:spPr>
+        <p:txBody>
+          <a:bodyPr wrap="square">
+            <a:spAutoFit/>
+          </a:bodyPr>
+          <a:lstStyle/>
+          <a:p>
+            <a:r>
+              <a:rPr lang="en-US" dirty="0"/>
+              <a:t>A </a:t>
+            </a:r>
+            <a:r>
+              <a:rPr lang="en-US" i="1" dirty="0"/>
+              <a:t>shard </a:t>
+            </a:r>
+            <a:r>
+              <a:rPr lang="en-US" dirty="0"/>
+              <a:t>is a low-level </a:t>
+            </a:r>
+            <a:r>
+              <a:rPr lang="en-US" i="1" dirty="0"/>
+              <a:t>worker unit </a:t>
+            </a:r>
+            <a:r>
+              <a:rPr lang="en-US" dirty="0"/>
+              <a:t>that holds just a slice of all the data in the index</a:t>
+            </a:r>
+            <a:r>
+              <a:rPr lang="pl-PL" dirty="0"/>
+              <a:t> (</a:t>
+            </a:r>
+            <a:r>
+              <a:rPr lang="pl-PL" dirty="0" err="1"/>
+              <a:t>containers</a:t>
+            </a:r>
+            <a:r>
+              <a:rPr lang="pl-PL" dirty="0"/>
+              <a:t> for data)</a:t>
+            </a:r>
+            <a:r>
+              <a:rPr lang="en-US" dirty="0"/>
+              <a:t>. </a:t>
+            </a:r>
+            <a:r>
+              <a:rPr lang="pl-PL" dirty="0"/>
+              <a:t>F</a:t>
+            </a:r>
+            <a:r>
+              <a:rPr lang="en-US" dirty="0"/>
+              <a:t>or now it is enough to know</a:t>
+            </a:r>
+            <a:r>
+              <a:rPr lang="pl-PL" dirty="0"/>
+              <a:t> </a:t>
+            </a:r>
+            <a:r>
+              <a:rPr lang="en-US" dirty="0"/>
+              <a:t>that a shard is a single instance of Lucene, and is a complete search engine in its own</a:t>
+            </a:r>
+            <a:r>
+              <a:rPr lang="pl-PL" dirty="0"/>
+              <a:t> </a:t>
+            </a:r>
+            <a:r>
+              <a:rPr lang="en-US" dirty="0"/>
+              <a:t>right. </a:t>
+            </a:r>
+            <a:r>
+              <a:rPr lang="pl-PL" dirty="0"/>
+              <a:t>D</a:t>
+            </a:r>
+            <a:r>
+              <a:rPr lang="en-US" dirty="0" err="1"/>
+              <a:t>ocuments</a:t>
+            </a:r>
+            <a:r>
+              <a:rPr lang="en-US" dirty="0"/>
+              <a:t> are stored and indexed in shards, but our applications don’t</a:t>
+            </a:r>
+            <a:r>
+              <a:rPr lang="pl-PL" dirty="0"/>
+              <a:t> </a:t>
+            </a:r>
+            <a:r>
+              <a:rPr lang="en-US" dirty="0"/>
+              <a:t>talk to them directly. Instead, they talk to an index.</a:t>
+            </a:r>
+            <a:endParaRPr lang="pl-PL" dirty="0"/>
+          </a:p>
+          <a:p>
+            <a:endParaRPr lang="pl-PL" dirty="0"/>
+          </a:p>
+          <a:p>
+            <a:pPr fontAlgn="base"/>
+            <a:r>
+              <a:rPr lang="en-US" dirty="0" err="1"/>
+              <a:t>Sharding</a:t>
+            </a:r>
+            <a:r>
+              <a:rPr lang="en-US" dirty="0"/>
+              <a:t> is important for two primary reasons:</a:t>
+            </a:r>
+          </a:p>
+          <a:p>
+            <a:pPr marL="285750" indent="-285750" fontAlgn="base">
+              <a:buFont typeface="Arial" panose="020B0604020202020204" pitchFamily="34" charset="0"/>
+              <a:buChar char="•"/>
+            </a:pPr>
+            <a:r>
+              <a:rPr lang="en-US" dirty="0"/>
+              <a:t>It allows you to horizontally split/scale your content volume</a:t>
+            </a:r>
+          </a:p>
+          <a:p>
+            <a:pPr marL="285750" indent="-285750" fontAlgn="base">
+              <a:buFont typeface="Arial" panose="020B0604020202020204" pitchFamily="34" charset="0"/>
+              <a:buChar char="•"/>
+            </a:pPr>
+            <a:r>
+              <a:rPr lang="en-US" dirty="0"/>
+              <a:t>It allows you to distribute and parallelize operations across shards (potentially on multiple nodes) thus increasing performance/throughput</a:t>
+            </a:r>
+          </a:p>
+          <a:p>
+            <a:endParaRPr lang="pl-PL" dirty="0"/>
+          </a:p>
+          <a:p>
+            <a:r>
+              <a:rPr lang="en-US" dirty="0"/>
+              <a:t>As cluster grows or shrinks, </a:t>
+            </a:r>
+            <a:r>
+              <a:rPr lang="en-US" dirty="0" err="1"/>
+              <a:t>Elasticsearch</a:t>
+            </a:r>
+            <a:r>
+              <a:rPr lang="en-US" dirty="0"/>
+              <a:t> will automatically</a:t>
+            </a:r>
+            <a:r>
+              <a:rPr lang="pl-PL" dirty="0"/>
+              <a:t> </a:t>
+            </a:r>
+            <a:r>
+              <a:rPr lang="en-US" dirty="0"/>
+              <a:t>migrate shards between nodes so that the cluster remains balanced.</a:t>
+            </a:r>
+            <a:r>
+              <a:rPr lang="pl-PL" dirty="0"/>
+              <a:t> </a:t>
+            </a:r>
+            <a:r>
+              <a:rPr lang="en-US" dirty="0"/>
+              <a:t>The number of primary shards in an index is fixed at the time that an index is created,</a:t>
+            </a:r>
+            <a:r>
+              <a:rPr lang="pl-PL" dirty="0"/>
+              <a:t> </a:t>
+            </a:r>
+            <a:r>
+              <a:rPr lang="en-US" dirty="0"/>
+              <a:t>but the number of replica shards can be changed at any time.</a:t>
+            </a:r>
+          </a:p>
+        </p:txBody>
+      </p:sp>
+    </p:spTree>
+    <p:extLst>
+      <p:ext uri="{BB962C8B-B14F-4D97-AF65-F5344CB8AC3E}">
+        <p14:creationId xmlns:p14="http://schemas.microsoft.com/office/powerpoint/2010/main" val="2244369757"/>
+      </p:ext>
+    </p:extLst>
+  </p:cSld>
+  <p:clrMapOvr>
+    <a:masterClrMapping/>
+  </p:clrMapOvr>
+</p:sld>
+</file>
+
+<file path=ppt/slides/slide2.xml><?xml version="1.0" encoding="utf-8"?>
+<p:sld xmlns:a="http://schemas.openxmlformats.org/drawingml/2006/main" xmlns:r="http://schemas.openxmlformats.org/officeDocument/2006/relationships" xmlns:p="http://schemas.openxmlformats.org/presentationml/2006/main">
+  <p:cSld>
+    <p:spTree>
+      <p:nvGrpSpPr>
+        <p:cNvPr id="1" name=""/>
+        <p:cNvGrpSpPr/>
+        <p:nvPr/>
+      </p:nvGrpSpPr>
+      <p:grpSpPr>
+        <a:xfrm>
+          <a:off x="0" y="0"/>
+          <a:ext cx="0" cy="0"/>
+          <a:chOff x="0" y="0"/>
+          <a:chExt cx="0" cy="0"/>
+        </a:xfrm>
+      </p:grpSpPr>
+      <p:sp>
+        <p:nvSpPr>
+          <p:cNvPr id="4" name="Prostokąt 3"/>
+          <p:cNvSpPr/>
+          <p:nvPr/>
+        </p:nvSpPr>
+        <p:spPr>
+          <a:xfrm>
+            <a:off x="1979776" y="1584394"/>
+            <a:ext cx="6096000" cy="3693319"/>
+          </a:xfrm>
+          <a:prstGeom prst="rect">
+            <a:avLst/>
+          </a:prstGeom>
+        </p:spPr>
+        <p:txBody>
+          <a:bodyPr>
+            <a:spAutoFit/>
+          </a:bodyPr>
+          <a:lstStyle/>
+          <a:p>
+            <a:pPr fontAlgn="base">
+              <a:buFont typeface="Arial" panose="020B0604020202020204" pitchFamily="34" charset="0"/>
+              <a:buChar char="•"/>
+            </a:pPr>
+            <a:r>
+              <a:rPr lang="pl-PL" dirty="0">
+                <a:solidFill>
+                  <a:srgbClr val="444444"/>
+                </a:solidFill>
+                <a:latin typeface="inherit"/>
+              </a:rPr>
+              <a:t> </a:t>
+            </a:r>
+            <a:r>
+              <a:rPr lang="en-US" dirty="0">
+                <a:solidFill>
+                  <a:srgbClr val="444444"/>
+                </a:solidFill>
+                <a:latin typeface="inherit"/>
+              </a:rPr>
+              <a:t>Introduction</a:t>
+            </a:r>
+          </a:p>
+          <a:p>
+            <a:pPr fontAlgn="base">
+              <a:buFont typeface="Arial" panose="020B0604020202020204" pitchFamily="34" charset="0"/>
+              <a:buChar char="•"/>
+            </a:pPr>
+            <a:r>
+              <a:rPr lang="pl-PL" dirty="0">
+                <a:solidFill>
+                  <a:srgbClr val="444444"/>
+                </a:solidFill>
+                <a:latin typeface="inherit"/>
+              </a:rPr>
+              <a:t> </a:t>
+            </a:r>
+            <a:r>
+              <a:rPr lang="en-US" dirty="0">
+                <a:solidFill>
+                  <a:srgbClr val="444444"/>
+                </a:solidFill>
+                <a:latin typeface="inherit"/>
+              </a:rPr>
+              <a:t>Downloading and running an </a:t>
+            </a:r>
+            <a:r>
+              <a:rPr lang="en-US" dirty="0" err="1">
+                <a:solidFill>
+                  <a:srgbClr val="444444"/>
+                </a:solidFill>
+                <a:latin typeface="inherit"/>
+              </a:rPr>
+              <a:t>Elasticsearch</a:t>
+            </a:r>
+            <a:r>
+              <a:rPr lang="en-US" dirty="0">
+                <a:solidFill>
+                  <a:srgbClr val="444444"/>
+                </a:solidFill>
+                <a:latin typeface="inherit"/>
+              </a:rPr>
+              <a:t> node</a:t>
+            </a:r>
+            <a:endParaRPr lang="pl-PL" dirty="0">
+              <a:solidFill>
+                <a:srgbClr val="444444"/>
+              </a:solidFill>
+              <a:latin typeface="inherit"/>
+            </a:endParaRPr>
+          </a:p>
+          <a:p>
+            <a:pPr fontAlgn="base">
+              <a:buFont typeface="Arial" panose="020B0604020202020204" pitchFamily="34" charset="0"/>
+              <a:buChar char="•"/>
+            </a:pPr>
+            <a:r>
+              <a:rPr lang="pl-PL" dirty="0">
+                <a:solidFill>
+                  <a:srgbClr val="444444"/>
+                </a:solidFill>
+                <a:latin typeface="inherit"/>
+              </a:rPr>
+              <a:t> Basic </a:t>
+            </a:r>
+            <a:r>
+              <a:rPr lang="pl-PL" dirty="0" err="1">
+                <a:solidFill>
+                  <a:srgbClr val="444444"/>
+                </a:solidFill>
+                <a:latin typeface="inherit"/>
+              </a:rPr>
+              <a:t>concepts</a:t>
+            </a:r>
+            <a:endParaRPr lang="pl-PL" dirty="0">
+              <a:solidFill>
+                <a:srgbClr val="444444"/>
+              </a:solidFill>
+              <a:latin typeface="inherit"/>
+            </a:endParaRPr>
+          </a:p>
+          <a:p>
+            <a:pPr fontAlgn="base">
+              <a:buFont typeface="Arial" panose="020B0604020202020204" pitchFamily="34" charset="0"/>
+              <a:buChar char="•"/>
+            </a:pPr>
+            <a:r>
+              <a:rPr lang="pl-PL" dirty="0">
+                <a:solidFill>
+                  <a:srgbClr val="444444"/>
+                </a:solidFill>
+                <a:latin typeface="inherit"/>
+              </a:rPr>
+              <a:t> Basic </a:t>
+            </a:r>
+            <a:r>
+              <a:rPr lang="pl-PL" dirty="0" err="1">
+                <a:solidFill>
+                  <a:srgbClr val="444444"/>
+                </a:solidFill>
+                <a:latin typeface="inherit"/>
+              </a:rPr>
+              <a:t>configuration</a:t>
+            </a:r>
+            <a:endParaRPr lang="en-US" dirty="0">
+              <a:solidFill>
+                <a:srgbClr val="444444"/>
+              </a:solidFill>
+              <a:latin typeface="inherit"/>
+            </a:endParaRPr>
+          </a:p>
+          <a:p>
+            <a:pPr fontAlgn="base">
+              <a:buFont typeface="Arial" panose="020B0604020202020204" pitchFamily="34" charset="0"/>
+              <a:buChar char="•"/>
+            </a:pPr>
+            <a:r>
+              <a:rPr lang="pl-PL" dirty="0">
+                <a:solidFill>
+                  <a:srgbClr val="444444"/>
+                </a:solidFill>
+                <a:latin typeface="inherit"/>
+              </a:rPr>
+              <a:t> </a:t>
+            </a:r>
+            <a:r>
+              <a:rPr lang="en-US" dirty="0">
+                <a:solidFill>
+                  <a:srgbClr val="444444"/>
+                </a:solidFill>
+                <a:latin typeface="inherit"/>
+              </a:rPr>
+              <a:t>Adding, updating, retrieving and deleting data</a:t>
+            </a:r>
+            <a:r>
+              <a:rPr lang="pl-PL" dirty="0">
+                <a:solidFill>
+                  <a:srgbClr val="444444"/>
+                </a:solidFill>
+                <a:latin typeface="inherit"/>
+              </a:rPr>
+              <a:t> (CRUD)</a:t>
+            </a:r>
+          </a:p>
+          <a:p>
+            <a:pPr fontAlgn="base">
+              <a:buFont typeface="Arial" panose="020B0604020202020204" pitchFamily="34" charset="0"/>
+              <a:buChar char="•"/>
+            </a:pPr>
+            <a:r>
+              <a:rPr lang="pl-PL" dirty="0">
+                <a:solidFill>
+                  <a:srgbClr val="444444"/>
+                </a:solidFill>
+                <a:latin typeface="inherit"/>
+              </a:rPr>
+              <a:t> Query </a:t>
+            </a:r>
+            <a:r>
+              <a:rPr lang="pl-PL" dirty="0" err="1">
+                <a:solidFill>
+                  <a:srgbClr val="444444"/>
+                </a:solidFill>
+                <a:latin typeface="inherit"/>
+              </a:rPr>
+              <a:t>syntax</a:t>
+            </a:r>
+            <a:r>
+              <a:rPr lang="pl-PL" dirty="0">
+                <a:solidFill>
+                  <a:srgbClr val="444444"/>
+                </a:solidFill>
+                <a:latin typeface="inherit"/>
+              </a:rPr>
+              <a:t>, </a:t>
+            </a:r>
+            <a:r>
+              <a:rPr lang="pl-PL" dirty="0" err="1">
+                <a:solidFill>
+                  <a:srgbClr val="444444"/>
+                </a:solidFill>
+                <a:latin typeface="inherit"/>
+              </a:rPr>
+              <a:t>basic</a:t>
+            </a:r>
+            <a:r>
+              <a:rPr lang="pl-PL" dirty="0">
+                <a:solidFill>
+                  <a:srgbClr val="444444"/>
+                </a:solidFill>
+                <a:latin typeface="inherit"/>
+              </a:rPr>
+              <a:t> </a:t>
+            </a:r>
+            <a:r>
+              <a:rPr lang="pl-PL" dirty="0" err="1">
+                <a:solidFill>
+                  <a:srgbClr val="444444"/>
+                </a:solidFill>
+                <a:latin typeface="inherit"/>
+              </a:rPr>
+              <a:t>search</a:t>
+            </a:r>
+            <a:r>
+              <a:rPr lang="pl-PL" dirty="0">
+                <a:solidFill>
+                  <a:srgbClr val="444444"/>
+                </a:solidFill>
+                <a:latin typeface="inherit"/>
+              </a:rPr>
+              <a:t> </a:t>
+            </a:r>
+            <a:r>
+              <a:rPr lang="pl-PL" dirty="0" err="1">
+                <a:solidFill>
+                  <a:srgbClr val="444444"/>
+                </a:solidFill>
+                <a:latin typeface="inherit"/>
+              </a:rPr>
+              <a:t>queries</a:t>
+            </a:r>
+            <a:endParaRPr lang="en-US" dirty="0">
+              <a:solidFill>
+                <a:srgbClr val="444444"/>
+              </a:solidFill>
+              <a:latin typeface="inherit"/>
+            </a:endParaRPr>
+          </a:p>
+          <a:p>
+            <a:pPr fontAlgn="base">
+              <a:buFont typeface="Arial" panose="020B0604020202020204" pitchFamily="34" charset="0"/>
+              <a:buChar char="•"/>
+            </a:pPr>
+            <a:r>
+              <a:rPr lang="pl-PL" dirty="0">
+                <a:solidFill>
+                  <a:srgbClr val="444444"/>
+                </a:solidFill>
+                <a:latin typeface="inherit"/>
+              </a:rPr>
+              <a:t> </a:t>
+            </a:r>
+            <a:r>
+              <a:rPr lang="en-US" dirty="0">
+                <a:solidFill>
+                  <a:srgbClr val="444444"/>
+                </a:solidFill>
+                <a:latin typeface="inherit"/>
+              </a:rPr>
+              <a:t>Basic text analysis theory and </a:t>
+            </a:r>
+            <a:r>
+              <a:rPr lang="pl-PL" dirty="0" err="1">
+                <a:solidFill>
+                  <a:srgbClr val="444444"/>
+                </a:solidFill>
+                <a:latin typeface="inherit"/>
+              </a:rPr>
+              <a:t>practice</a:t>
+            </a:r>
+            <a:endParaRPr lang="pl-PL" dirty="0">
+              <a:solidFill>
+                <a:srgbClr val="444444"/>
+              </a:solidFill>
+              <a:latin typeface="inherit"/>
+            </a:endParaRPr>
+          </a:p>
+          <a:p>
+            <a:pPr fontAlgn="base">
+              <a:buFont typeface="Arial" panose="020B0604020202020204" pitchFamily="34" charset="0"/>
+              <a:buChar char="•"/>
+            </a:pPr>
+            <a:r>
+              <a:rPr lang="pl-PL" dirty="0">
+                <a:solidFill>
+                  <a:srgbClr val="444444"/>
+                </a:solidFill>
+                <a:latin typeface="inherit"/>
+              </a:rPr>
+              <a:t> </a:t>
+            </a:r>
+            <a:r>
+              <a:rPr lang="pl-PL" dirty="0" err="1">
+                <a:solidFill>
+                  <a:srgbClr val="444444"/>
+                </a:solidFill>
+                <a:latin typeface="inherit"/>
+              </a:rPr>
+              <a:t>Mappings</a:t>
+            </a:r>
+            <a:r>
+              <a:rPr lang="pl-PL" dirty="0">
+                <a:solidFill>
+                  <a:srgbClr val="444444"/>
+                </a:solidFill>
+                <a:latin typeface="inherit"/>
+              </a:rPr>
+              <a:t> </a:t>
+            </a:r>
+            <a:r>
+              <a:rPr lang="pl-PL" dirty="0" err="1">
+                <a:solidFill>
+                  <a:srgbClr val="444444"/>
+                </a:solidFill>
+                <a:latin typeface="inherit"/>
+              </a:rPr>
+              <a:t>overview</a:t>
+            </a:r>
+            <a:r>
+              <a:rPr lang="pl-PL" dirty="0">
+                <a:solidFill>
+                  <a:srgbClr val="444444"/>
+                </a:solidFill>
+                <a:latin typeface="inherit"/>
+              </a:rPr>
+              <a:t> &amp; </a:t>
+            </a:r>
+            <a:r>
+              <a:rPr lang="pl-PL" dirty="0" err="1">
+                <a:solidFill>
+                  <a:srgbClr val="444444"/>
+                </a:solidFill>
+                <a:latin typeface="inherit"/>
+              </a:rPr>
+              <a:t>query</a:t>
+            </a:r>
+            <a:r>
+              <a:rPr lang="pl-PL" dirty="0">
+                <a:solidFill>
+                  <a:srgbClr val="444444"/>
+                </a:solidFill>
+                <a:latin typeface="inherit"/>
+              </a:rPr>
+              <a:t>/</a:t>
+            </a:r>
+            <a:r>
+              <a:rPr lang="pl-PL" dirty="0" err="1">
+                <a:solidFill>
+                  <a:srgbClr val="444444"/>
+                </a:solidFill>
+                <a:latin typeface="inherit"/>
+              </a:rPr>
+              <a:t>filtering</a:t>
+            </a:r>
+            <a:r>
+              <a:rPr lang="pl-PL" dirty="0">
+                <a:solidFill>
+                  <a:srgbClr val="444444"/>
+                </a:solidFill>
+                <a:latin typeface="inherit"/>
+              </a:rPr>
+              <a:t> </a:t>
+            </a:r>
+            <a:r>
+              <a:rPr lang="pl-PL" dirty="0" err="1">
+                <a:solidFill>
+                  <a:srgbClr val="444444"/>
+                </a:solidFill>
+                <a:latin typeface="inherit"/>
+              </a:rPr>
+              <a:t>consequences</a:t>
+            </a:r>
+            <a:endParaRPr lang="en-US" dirty="0">
+              <a:solidFill>
+                <a:srgbClr val="444444"/>
+              </a:solidFill>
+              <a:latin typeface="inherit"/>
+            </a:endParaRPr>
+          </a:p>
+          <a:p>
+            <a:pPr fontAlgn="base">
+              <a:buFont typeface="Arial" panose="020B0604020202020204" pitchFamily="34" charset="0"/>
+              <a:buChar char="•"/>
+            </a:pPr>
+            <a:r>
+              <a:rPr lang="pl-PL" dirty="0">
+                <a:solidFill>
+                  <a:srgbClr val="444444"/>
+                </a:solidFill>
+                <a:latin typeface="inherit"/>
+              </a:rPr>
+              <a:t> </a:t>
+            </a:r>
+            <a:r>
+              <a:rPr lang="pl-PL" dirty="0" err="1">
+                <a:solidFill>
+                  <a:srgbClr val="444444"/>
+                </a:solidFill>
+                <a:latin typeface="inherit"/>
+              </a:rPr>
+              <a:t>Searching</a:t>
+            </a:r>
+            <a:r>
+              <a:rPr lang="pl-PL" dirty="0">
+                <a:solidFill>
+                  <a:srgbClr val="444444"/>
+                </a:solidFill>
+                <a:latin typeface="inherit"/>
+              </a:rPr>
+              <a:t> one </a:t>
+            </a:r>
+            <a:r>
+              <a:rPr lang="pl-PL" dirty="0" err="1">
+                <a:solidFill>
+                  <a:srgbClr val="444444"/>
+                </a:solidFill>
+                <a:latin typeface="inherit"/>
+              </a:rPr>
+              <a:t>more</a:t>
+            </a:r>
+            <a:r>
+              <a:rPr lang="pl-PL" dirty="0">
+                <a:solidFill>
+                  <a:srgbClr val="444444"/>
+                </a:solidFill>
+                <a:latin typeface="inherit"/>
+              </a:rPr>
+              <a:t> </a:t>
+            </a:r>
+            <a:r>
+              <a:rPr lang="pl-PL" dirty="0" err="1">
+                <a:solidFill>
+                  <a:srgbClr val="444444"/>
+                </a:solidFill>
+                <a:latin typeface="inherit"/>
+              </a:rPr>
+              <a:t>time</a:t>
+            </a:r>
+            <a:endParaRPr lang="en-US" dirty="0">
+              <a:solidFill>
+                <a:srgbClr val="444444"/>
+              </a:solidFill>
+              <a:latin typeface="inherit"/>
+            </a:endParaRPr>
+          </a:p>
+          <a:p>
+            <a:pPr fontAlgn="base">
+              <a:buFont typeface="Arial" panose="020B0604020202020204" pitchFamily="34" charset="0"/>
+              <a:buChar char="•"/>
+            </a:pPr>
+            <a:r>
+              <a:rPr lang="pl-PL" dirty="0">
+                <a:solidFill>
+                  <a:srgbClr val="444444"/>
+                </a:solidFill>
+                <a:latin typeface="inherit"/>
+              </a:rPr>
+              <a:t> </a:t>
+            </a:r>
+            <a:r>
+              <a:rPr lang="en-US" dirty="0">
+                <a:solidFill>
+                  <a:srgbClr val="444444"/>
+                </a:solidFill>
+                <a:latin typeface="inherit"/>
+              </a:rPr>
+              <a:t>Analytical aggregations</a:t>
+            </a:r>
+            <a:endParaRPr lang="pl-PL" dirty="0">
+              <a:solidFill>
+                <a:srgbClr val="444444"/>
+              </a:solidFill>
+              <a:latin typeface="inherit"/>
+            </a:endParaRPr>
+          </a:p>
+          <a:p>
+            <a:pPr fontAlgn="base">
+              <a:buFont typeface="Arial" panose="020B0604020202020204" pitchFamily="34" charset="0"/>
+              <a:buChar char="•"/>
+            </a:pPr>
+            <a:r>
+              <a:rPr lang="pl-PL" dirty="0">
+                <a:solidFill>
+                  <a:srgbClr val="444444"/>
+                </a:solidFill>
+                <a:latin typeface="inherit"/>
+              </a:rPr>
+              <a:t> JAVA </a:t>
+            </a:r>
+            <a:r>
+              <a:rPr lang="pl-PL" dirty="0" err="1">
+                <a:solidFill>
+                  <a:srgbClr val="444444"/>
+                </a:solidFill>
+                <a:latin typeface="inherit"/>
+              </a:rPr>
+              <a:t>clients</a:t>
+            </a:r>
+            <a:endParaRPr lang="pl-PL" dirty="0">
+              <a:solidFill>
+                <a:srgbClr val="444444"/>
+              </a:solidFill>
+              <a:latin typeface="inherit"/>
+            </a:endParaRPr>
+          </a:p>
+          <a:p>
+            <a:pPr fontAlgn="base">
+              <a:buFont typeface="Arial" panose="020B0604020202020204" pitchFamily="34" charset="0"/>
+              <a:buChar char="•"/>
+            </a:pPr>
+            <a:r>
+              <a:rPr lang="pl-PL" dirty="0">
+                <a:solidFill>
+                  <a:srgbClr val="444444"/>
+                </a:solidFill>
+                <a:latin typeface="inherit"/>
+              </a:rPr>
+              <a:t> Advanced </a:t>
+            </a:r>
+            <a:r>
+              <a:rPr lang="pl-PL" dirty="0" err="1">
+                <a:solidFill>
+                  <a:srgbClr val="444444"/>
+                </a:solidFill>
+                <a:latin typeface="inherit"/>
+              </a:rPr>
+              <a:t>subjects</a:t>
+            </a:r>
+            <a:endParaRPr lang="pl-PL" dirty="0">
+              <a:solidFill>
+                <a:srgbClr val="444444"/>
+              </a:solidFill>
+              <a:latin typeface="inherit"/>
+            </a:endParaRPr>
+          </a:p>
+          <a:p>
+            <a:pPr fontAlgn="base">
+              <a:buFont typeface="Arial" panose="020B0604020202020204" pitchFamily="34" charset="0"/>
+              <a:buChar char="•"/>
+            </a:pPr>
+            <a:r>
+              <a:rPr lang="pl-PL" dirty="0">
+                <a:solidFill>
+                  <a:srgbClr val="444444"/>
+                </a:solidFill>
+                <a:latin typeface="inherit"/>
+              </a:rPr>
+              <a:t> </a:t>
+            </a:r>
+            <a:r>
+              <a:rPr lang="en-US" dirty="0">
+                <a:solidFill>
+                  <a:srgbClr val="444444"/>
+                </a:solidFill>
+                <a:latin typeface="inherit"/>
+              </a:rPr>
+              <a:t>Where to find more resources</a:t>
+            </a:r>
+            <a:endParaRPr lang="en-US" b="0" i="0" dirty="0">
+              <a:solidFill>
+                <a:srgbClr val="444444"/>
+              </a:solidFill>
+              <a:effectLst/>
+              <a:latin typeface="inherit"/>
+            </a:endParaRPr>
+          </a:p>
+        </p:txBody>
+      </p:sp>
+      <p:sp>
+        <p:nvSpPr>
+          <p:cNvPr id="2" name="Prostokąt 1"/>
+          <p:cNvSpPr/>
+          <p:nvPr/>
+        </p:nvSpPr>
+        <p:spPr>
+          <a:xfrm>
+            <a:off x="1979776" y="523238"/>
+            <a:ext cx="7830796" cy="769441"/>
+          </a:xfrm>
+          <a:prstGeom prst="rect">
+            <a:avLst/>
+          </a:prstGeom>
+        </p:spPr>
+        <p:txBody>
+          <a:bodyPr wrap="square">
+            <a:spAutoFit/>
+          </a:bodyPr>
+          <a:lstStyle/>
+          <a:p>
+            <a:r>
+              <a:rPr lang="pl-PL" sz="4400" dirty="0">
+                <a:latin typeface="Aharoni" panose="02010803020104030203" pitchFamily="2" charset="-79"/>
+                <a:cs typeface="Aharoni" panose="02010803020104030203" pitchFamily="2" charset="-79"/>
+              </a:rPr>
+              <a:t>AGENDA</a:t>
+            </a:r>
+          </a:p>
+        </p:txBody>
+      </p:sp>
+      <p:sp>
+        <p:nvSpPr>
+          <p:cNvPr id="3" name="Nawias klamrowy zamykający 2"/>
+          <p:cNvSpPr/>
+          <p:nvPr/>
+        </p:nvSpPr>
+        <p:spPr>
+          <a:xfrm>
+            <a:off x="8319331" y="1584393"/>
+            <a:ext cx="991312" cy="3693319"/>
+          </a:xfrm>
+          <a:prstGeom prst="rightBrace">
+            <a:avLst/>
+          </a:prstGeom>
+        </p:spPr>
+        <p:style>
+          <a:lnRef idx="1">
+            <a:schemeClr val="accent1"/>
+          </a:lnRef>
+          <a:fillRef idx="0">
+            <a:schemeClr val="accent1"/>
+          </a:fillRef>
+          <a:effectRef idx="0">
+            <a:schemeClr val="accent1"/>
+          </a:effectRef>
+          <a:fontRef idx="minor">
+            <a:schemeClr val="tx1"/>
+          </a:fontRef>
+        </p:style>
+        <p:txBody>
+          <a:bodyPr rtlCol="0" anchor="ctr"/>
+          <a:lstStyle/>
+          <a:p>
+            <a:pPr algn="ctr"/>
+            <a:endParaRPr lang="pl-PL" dirty="0"/>
+          </a:p>
+        </p:txBody>
+      </p:sp>
+      <p:sp>
+        <p:nvSpPr>
+          <p:cNvPr id="5" name="pole tekstowe 4"/>
+          <p:cNvSpPr txBox="1"/>
+          <p:nvPr/>
+        </p:nvSpPr>
+        <p:spPr>
+          <a:xfrm>
+            <a:off x="9554198" y="3246386"/>
+            <a:ext cx="1953868" cy="369332"/>
+          </a:xfrm>
+          <a:prstGeom prst="rect">
+            <a:avLst/>
+          </a:prstGeom>
+          <a:noFill/>
+        </p:spPr>
+        <p:txBody>
+          <a:bodyPr wrap="none" rtlCol="0">
+            <a:spAutoFit/>
+          </a:bodyPr>
+          <a:lstStyle/>
+          <a:p>
+            <a:r>
+              <a:rPr lang="pl-PL" dirty="0"/>
+              <a:t>DOCKIND3 </a:t>
+            </a:r>
+            <a:r>
+              <a:rPr lang="pl-PL" dirty="0" err="1"/>
+              <a:t>Aspect</a:t>
+            </a:r>
+            <a:endParaRPr lang="pl-PL" dirty="0"/>
+          </a:p>
+        </p:txBody>
+      </p:sp>
+    </p:spTree>
+    <p:extLst>
+      <p:ext uri="{BB962C8B-B14F-4D97-AF65-F5344CB8AC3E}">
+        <p14:creationId xmlns:p14="http://schemas.microsoft.com/office/powerpoint/2010/main" val="232993580"/>
+      </p:ext>
+    </p:extLst>
+  </p:cSld>
+  <p:clrMapOvr>
+    <a:masterClrMapping/>
+  </p:clrMapOvr>
+</p:sld>
+</file>
+
+<file path=ppt/slides/slide20.xml><?xml version="1.0" encoding="utf-8"?>
+<p:sld xmlns:a="http://schemas.openxmlformats.org/drawingml/2006/main" xmlns:r="http://schemas.openxmlformats.org/officeDocument/2006/relationships" xmlns:p="http://schemas.openxmlformats.org/presentationml/2006/main">
+  <p:cSld>
+    <p:spTree>
+      <p:nvGrpSpPr>
+        <p:cNvPr id="1" name=""/>
+        <p:cNvGrpSpPr/>
+        <p:nvPr/>
+      </p:nvGrpSpPr>
+      <p:grpSpPr>
+        <a:xfrm>
+          <a:off x="0" y="0"/>
+          <a:ext cx="0" cy="0"/>
+          <a:chOff x="0" y="0"/>
+          <a:chExt cx="0" cy="0"/>
+        </a:xfrm>
+      </p:grpSpPr>
+      <p:sp>
+        <p:nvSpPr>
+          <p:cNvPr id="2" name="Prostokąt 1"/>
+          <p:cNvSpPr/>
+          <p:nvPr/>
+        </p:nvSpPr>
+        <p:spPr>
+          <a:xfrm>
+            <a:off x="1979776" y="523238"/>
             <a:ext cx="6096000" cy="1077218"/>
           </a:xfrm>
           <a:prstGeom prst="rect">
@@ -7073,7 +10060,7 @@
 </p:sld>
 </file>
 
-<file path=ppt/slides/slide14.xml><?xml version="1.0" encoding="utf-8"?>
+<file path=ppt/slides/slide21.xml><?xml version="1.0" encoding="utf-8"?>
 <p:sld xmlns:a="http://schemas.openxmlformats.org/drawingml/2006/main" xmlns:r="http://schemas.openxmlformats.org/officeDocument/2006/relationships" xmlns:p="http://schemas.openxmlformats.org/presentationml/2006/main">
   <p:cSld>
     <p:spTree>
@@ -7158,7 +10145,7 @@
 </p:sld>
 </file>
 
-<file path=ppt/slides/slide15.xml><?xml version="1.0" encoding="utf-8"?>
+<file path=ppt/slides/slide22.xml><?xml version="1.0" encoding="utf-8"?>
 <p:sld xmlns:a="http://schemas.openxmlformats.org/drawingml/2006/main" xmlns:r="http://schemas.openxmlformats.org/officeDocument/2006/relationships" xmlns:p="http://schemas.openxmlformats.org/presentationml/2006/main">
   <p:cSld>
     <p:spTree>
@@ -7243,7 +10230,7 @@
 </p:sld>
 </file>
 
-<file path=ppt/slides/slide16.xml><?xml version="1.0" encoding="utf-8"?>
+<file path=ppt/slides/slide23.xml><?xml version="1.0" encoding="utf-8"?>
 <p:sld xmlns:a="http://schemas.openxmlformats.org/drawingml/2006/main" xmlns:r="http://schemas.openxmlformats.org/officeDocument/2006/relationships" xmlns:p="http://schemas.openxmlformats.org/presentationml/2006/main">
   <p:cSld>
     <p:spTree>
@@ -7482,7 +10469,7 @@
 </p:sld>
 </file>
 
-<file path=ppt/slides/slide17.xml><?xml version="1.0" encoding="utf-8"?>
+<file path=ppt/slides/slide24.xml><?xml version="1.0" encoding="utf-8"?>
 <p:sld xmlns:a="http://schemas.openxmlformats.org/drawingml/2006/main" xmlns:r="http://schemas.openxmlformats.org/officeDocument/2006/relationships" xmlns:p="http://schemas.openxmlformats.org/presentationml/2006/main">
   <p:cSld>
     <p:spTree>
@@ -7567,7 +10554,7 @@
 </p:sld>
 </file>
 
-<file path=ppt/slides/slide18.xml><?xml version="1.0" encoding="utf-8"?>
+<file path=ppt/slides/slide25.xml><?xml version="1.0" encoding="utf-8"?>
 <p:sld xmlns:a="http://schemas.openxmlformats.org/drawingml/2006/main" xmlns:r="http://schemas.openxmlformats.org/officeDocument/2006/relationships" xmlns:p="http://schemas.openxmlformats.org/presentationml/2006/main">
   <p:cSld>
     <p:spTree>
@@ -7593,14 +10580,14 @@
         <p:spPr>
           <a:xfrm>
             <a:off x="1979776" y="523238"/>
-            <a:ext cx="6096000" cy="769441"/>
+            <a:ext cx="7371258" cy="769441"/>
           </a:xfrm>
           <a:prstGeom prst="rect">
             <a:avLst/>
           </a:prstGeom>
         </p:spPr>
         <p:txBody>
-          <a:bodyPr>
+          <a:bodyPr wrap="square">
             <a:spAutoFit/>
           </a:bodyPr>
           <a:lstStyle/>
@@ -7610,21 +10597,21 @@
                 <a:latin typeface="Aharoni" panose="02010803020104030203" pitchFamily="2" charset="-79"/>
                 <a:cs typeface="Aharoni" panose="02010803020104030203" pitchFamily="2" charset="-79"/>
               </a:rPr>
-              <a:t>BASIC CONCEPTS</a:t>
-            </a:r>
-          </a:p>
-        </p:txBody>
-      </p:sp>
-      <p:sp>
-        <p:nvSpPr>
-          <p:cNvPr id="5" name="Prostokąt 4"/>
+              <a:t>PARENT-CHILD RELATIONSHIP</a:t>
+            </a:r>
+          </a:p>
+        </p:txBody>
+      </p:sp>
+      <p:sp>
+        <p:nvSpPr>
+          <p:cNvPr id="3" name="Prostokąt 2"/>
           <p:cNvSpPr/>
           <p:nvPr/>
         </p:nvSpPr>
         <p:spPr>
           <a:xfrm>
-            <a:off x="1979776" y="1523416"/>
-            <a:ext cx="9522863" cy="646331"/>
+            <a:off x="1979776" y="1292679"/>
+            <a:ext cx="9700390" cy="3539430"/>
           </a:xfrm>
           <a:prstGeom prst="rect">
             <a:avLst/>
@@ -7636,27 +10623,110 @@
           </a:bodyPr>
           <a:lstStyle/>
           <a:p>
-            <a:pPr fontAlgn="base"/>
-            <a:endParaRPr lang="en-US" dirty="0"/>
-          </a:p>
-          <a:p>
-            <a:r>
-              <a:rPr lang="en-US" dirty="0"/>
-              <a:t>An</a:t>
-            </a:r>
-            <a:endParaRPr lang="pl-PL" dirty="0">
-              <a:solidFill>
-                <a:srgbClr val="444444"/>
-              </a:solidFill>
-              <a:latin typeface="inherit"/>
-            </a:endParaRPr>
+            <a:r>
+              <a:rPr lang="en-US" sz="1400" dirty="0"/>
+              <a:t>The parent-child relationship is similar in nature to the nested model: both allow you to associate one entity with another. The difference is that</a:t>
+            </a:r>
+            <a:r>
+              <a:rPr lang="pl-PL" sz="1400" dirty="0"/>
+              <a:t> </a:t>
+            </a:r>
+            <a:r>
+              <a:rPr lang="en-US" sz="1400" dirty="0"/>
+              <a:t>with parent-child</a:t>
+            </a:r>
+            <a:r>
+              <a:rPr lang="pl-PL" sz="1400" dirty="0"/>
+              <a:t> </a:t>
+            </a:r>
+            <a:r>
+              <a:rPr lang="en-US" sz="1400" dirty="0"/>
+              <a:t>the</a:t>
+            </a:r>
+            <a:r>
+              <a:rPr lang="pl-PL" sz="1400" dirty="0"/>
+              <a:t>y </a:t>
+            </a:r>
+            <a:r>
+              <a:rPr lang="en-US" sz="1400" dirty="0"/>
+              <a:t>are completely separate documents.</a:t>
+            </a:r>
+          </a:p>
+          <a:p>
+            <a:endParaRPr lang="en-US" sz="1400" dirty="0"/>
+          </a:p>
+          <a:p>
+            <a:r>
+              <a:rPr lang="en-US" sz="1400" dirty="0"/>
+              <a:t>The parent-child functionality allows you to associate one document type with another, in a one-to-many relationship—one parent to many children. The advantages that parent-child has over nested objects are as follows:</a:t>
+            </a:r>
+          </a:p>
+          <a:p>
+            <a:pPr marL="742950" lvl="1" indent="-285750">
+              <a:buFont typeface="Arial" panose="020B0604020202020204" pitchFamily="34" charset="0"/>
+              <a:buChar char="•"/>
+            </a:pPr>
+            <a:r>
+              <a:rPr lang="en-US" sz="1400" dirty="0"/>
+              <a:t>The parent document can be updated without </a:t>
+            </a:r>
+            <a:r>
+              <a:rPr lang="en-US" sz="1400" dirty="0" err="1"/>
+              <a:t>reindexing</a:t>
+            </a:r>
+            <a:r>
+              <a:rPr lang="en-US" sz="1400" dirty="0"/>
+              <a:t> the children.</a:t>
+            </a:r>
+          </a:p>
+          <a:p>
+            <a:pPr marL="742950" lvl="1" indent="-285750">
+              <a:buFont typeface="Arial" panose="020B0604020202020204" pitchFamily="34" charset="0"/>
+              <a:buChar char="•"/>
+            </a:pPr>
+            <a:r>
+              <a:rPr lang="en-US" sz="1400" dirty="0"/>
+              <a:t>Child documents can be added, changed, or deleted without affecting either the parent or other children. This is especially useful when child documents are large in number and need to be added or changed frequently.</a:t>
+            </a:r>
+          </a:p>
+          <a:p>
+            <a:pPr marL="742950" lvl="1" indent="-285750">
+              <a:buFont typeface="Arial" panose="020B0604020202020204" pitchFamily="34" charset="0"/>
+              <a:buChar char="•"/>
+            </a:pPr>
+            <a:r>
+              <a:rPr lang="en-US" sz="1400" dirty="0"/>
+              <a:t>Child documents can be returned as the results of a search request.</a:t>
+            </a:r>
+          </a:p>
+          <a:p>
+            <a:endParaRPr lang="pl-PL" sz="1400" dirty="0"/>
+          </a:p>
+          <a:p>
+            <a:r>
+              <a:rPr lang="en-US" sz="1400" dirty="0" err="1"/>
+              <a:t>Elasticsearch</a:t>
+            </a:r>
+            <a:r>
+              <a:rPr lang="en-US" sz="1400" dirty="0"/>
+              <a:t> maintains a map of which parents are associated with which children. It is thanks to this map that query-time joins are fast, but it does place a limitation on the parent-child relationship: the parent document and all of its children must live on the same shard.</a:t>
+            </a:r>
+          </a:p>
+          <a:p>
+            <a:endParaRPr lang="en-US" sz="1400" dirty="0"/>
+          </a:p>
+          <a:p>
+            <a:r>
+              <a:rPr lang="en-US" sz="1400" dirty="0"/>
+              <a:t>The parent-child ID maps are stored in Doc Values, which allows them to execute quickly when fully hot in memory, but scalable enough to spill to disk when the map is very large.</a:t>
+            </a:r>
           </a:p>
         </p:txBody>
       </p:sp>
     </p:spTree>
     <p:extLst>
       <p:ext uri="{BB962C8B-B14F-4D97-AF65-F5344CB8AC3E}">
-        <p14:creationId xmlns:p14="http://schemas.microsoft.com/office/powerpoint/2010/main" val="4098949966"/>
+        <p14:creationId xmlns:p14="http://schemas.microsoft.com/office/powerpoint/2010/main" val="1229619476"/>
       </p:ext>
     </p:extLst>
   </p:cSld>
@@ -7666,7 +10736,7 @@
 </p:sld>
 </file>
 
-<file path=ppt/slides/slide19.xml><?xml version="1.0" encoding="utf-8"?>
+<file path=ppt/slides/slide26.xml><?xml version="1.0" encoding="utf-8"?>
 <p:sld xmlns:a="http://schemas.openxmlformats.org/drawingml/2006/main" xmlns:r="http://schemas.openxmlformats.org/officeDocument/2006/relationships" xmlns:p="http://schemas.openxmlformats.org/presentationml/2006/main">
   <p:cSld>
     <p:spTree>
@@ -7685,750 +10755,6 @@
       </p:grpSpPr>
       <p:sp>
         <p:nvSpPr>
-          <p:cNvPr id="2" name="Prostokąt 1"/>
-          <p:cNvSpPr/>
-          <p:nvPr/>
-        </p:nvSpPr>
-        <p:spPr>
-          <a:xfrm>
-            <a:off x="1979776" y="523238"/>
-            <a:ext cx="6096000" cy="769441"/>
-          </a:xfrm>
-          <a:prstGeom prst="rect">
-            <a:avLst/>
-          </a:prstGeom>
-        </p:spPr>
-        <p:txBody>
-          <a:bodyPr>
-            <a:spAutoFit/>
-          </a:bodyPr>
-          <a:lstStyle/>
-          <a:p>
-            <a:r>
-              <a:rPr lang="pl-PL" sz="4400" dirty="0">
-                <a:latin typeface="Aharoni" panose="02010803020104030203" pitchFamily="2" charset="-79"/>
-                <a:cs typeface="Aharoni" panose="02010803020104030203" pitchFamily="2" charset="-79"/>
-              </a:rPr>
-              <a:t>BASIC CONCEPTS</a:t>
-            </a:r>
-          </a:p>
-        </p:txBody>
-      </p:sp>
-      <p:sp>
-        <p:nvSpPr>
-          <p:cNvPr id="5" name="Prostokąt 4"/>
-          <p:cNvSpPr/>
-          <p:nvPr/>
-        </p:nvSpPr>
-        <p:spPr>
-          <a:xfrm>
-            <a:off x="1979776" y="1523416"/>
-            <a:ext cx="9522863" cy="646331"/>
-          </a:xfrm>
-          <a:prstGeom prst="rect">
-            <a:avLst/>
-          </a:prstGeom>
-        </p:spPr>
-        <p:txBody>
-          <a:bodyPr wrap="square">
-            <a:spAutoFit/>
-          </a:bodyPr>
-          <a:lstStyle/>
-          <a:p>
-            <a:pPr fontAlgn="base"/>
-            <a:endParaRPr lang="en-US" dirty="0"/>
-          </a:p>
-          <a:p>
-            <a:r>
-              <a:rPr lang="en-US" dirty="0"/>
-              <a:t>An</a:t>
-            </a:r>
-            <a:endParaRPr lang="pl-PL" dirty="0">
-              <a:solidFill>
-                <a:srgbClr val="444444"/>
-              </a:solidFill>
-              <a:latin typeface="inherit"/>
-            </a:endParaRPr>
-          </a:p>
-        </p:txBody>
-      </p:sp>
-    </p:spTree>
-    <p:extLst>
-      <p:ext uri="{BB962C8B-B14F-4D97-AF65-F5344CB8AC3E}">
-        <p14:creationId xmlns:p14="http://schemas.microsoft.com/office/powerpoint/2010/main" val="3345675515"/>
-      </p:ext>
-    </p:extLst>
-  </p:cSld>
-  <p:clrMapOvr>
-    <a:masterClrMapping/>
-  </p:clrMapOvr>
-</p:sld>
-</file>
-
-<file path=ppt/slides/slide2.xml><?xml version="1.0" encoding="utf-8"?>
-<p:sld xmlns:a="http://schemas.openxmlformats.org/drawingml/2006/main" xmlns:r="http://schemas.openxmlformats.org/officeDocument/2006/relationships" xmlns:p="http://schemas.openxmlformats.org/presentationml/2006/main">
-  <p:cSld>
-    <p:spTree>
-      <p:nvGrpSpPr>
-        <p:cNvPr id="1" name=""/>
-        <p:cNvGrpSpPr/>
-        <p:nvPr/>
-      </p:nvGrpSpPr>
-      <p:grpSpPr>
-        <a:xfrm>
-          <a:off x="0" y="0"/>
-          <a:ext cx="0" cy="0"/>
-          <a:chOff x="0" y="0"/>
-          <a:chExt cx="0" cy="0"/>
-        </a:xfrm>
-      </p:grpSpPr>
-      <p:sp>
-        <p:nvSpPr>
-          <p:cNvPr id="4" name="Prostokąt 3"/>
-          <p:cNvSpPr/>
-          <p:nvPr/>
-        </p:nvSpPr>
-        <p:spPr>
-          <a:xfrm>
-            <a:off x="1979776" y="1584394"/>
-            <a:ext cx="6096000" cy="3139321"/>
-          </a:xfrm>
-          <a:prstGeom prst="rect">
-            <a:avLst/>
-          </a:prstGeom>
-        </p:spPr>
-        <p:txBody>
-          <a:bodyPr>
-            <a:spAutoFit/>
-          </a:bodyPr>
-          <a:lstStyle/>
-          <a:p>
-            <a:pPr fontAlgn="base">
-              <a:buFont typeface="Arial" panose="020B0604020202020204" pitchFamily="34" charset="0"/>
-              <a:buChar char="•"/>
-            </a:pPr>
-            <a:r>
-              <a:rPr lang="pl-PL" dirty="0">
-                <a:solidFill>
-                  <a:srgbClr val="444444"/>
-                </a:solidFill>
-                <a:latin typeface="inherit"/>
-              </a:rPr>
-              <a:t> </a:t>
-            </a:r>
-            <a:r>
-              <a:rPr lang="pl-PL" dirty="0" err="1">
-                <a:solidFill>
-                  <a:srgbClr val="444444"/>
-                </a:solidFill>
-                <a:latin typeface="inherit"/>
-              </a:rPr>
-              <a:t>Introduction</a:t>
-            </a:r>
-            <a:endParaRPr lang="pl-PL" dirty="0">
-              <a:solidFill>
-                <a:srgbClr val="444444"/>
-              </a:solidFill>
-              <a:latin typeface="inherit"/>
-            </a:endParaRPr>
-          </a:p>
-          <a:p>
-            <a:pPr fontAlgn="base">
-              <a:buFont typeface="Arial" panose="020B0604020202020204" pitchFamily="34" charset="0"/>
-              <a:buChar char="•"/>
-            </a:pPr>
-            <a:r>
-              <a:rPr lang="pl-PL" dirty="0">
-                <a:solidFill>
-                  <a:srgbClr val="444444"/>
-                </a:solidFill>
-                <a:latin typeface="inherit"/>
-              </a:rPr>
-              <a:t> </a:t>
-            </a:r>
-            <a:r>
-              <a:rPr lang="en-US" dirty="0">
-                <a:solidFill>
-                  <a:srgbClr val="444444"/>
-                </a:solidFill>
-                <a:latin typeface="inherit"/>
-              </a:rPr>
-              <a:t>Downloading and running an </a:t>
-            </a:r>
-            <a:r>
-              <a:rPr lang="en-US" dirty="0" err="1">
-                <a:solidFill>
-                  <a:srgbClr val="444444"/>
-                </a:solidFill>
-                <a:latin typeface="inherit"/>
-              </a:rPr>
-              <a:t>Elasticsearch</a:t>
-            </a:r>
-            <a:r>
-              <a:rPr lang="en-US" dirty="0">
-                <a:solidFill>
-                  <a:srgbClr val="444444"/>
-                </a:solidFill>
-                <a:latin typeface="inherit"/>
-              </a:rPr>
-              <a:t> node</a:t>
-            </a:r>
-            <a:endParaRPr lang="pl-PL" dirty="0">
-              <a:solidFill>
-                <a:srgbClr val="444444"/>
-              </a:solidFill>
-              <a:latin typeface="inherit"/>
-            </a:endParaRPr>
-          </a:p>
-          <a:p>
-            <a:pPr fontAlgn="base">
-              <a:buFont typeface="Arial" panose="020B0604020202020204" pitchFamily="34" charset="0"/>
-              <a:buChar char="•"/>
-            </a:pPr>
-            <a:r>
-              <a:rPr lang="pl-PL" dirty="0">
-                <a:solidFill>
-                  <a:srgbClr val="444444"/>
-                </a:solidFill>
-                <a:latin typeface="inherit"/>
-              </a:rPr>
-              <a:t> Basic </a:t>
-            </a:r>
-            <a:r>
-              <a:rPr lang="pl-PL" dirty="0" err="1">
-                <a:solidFill>
-                  <a:srgbClr val="444444"/>
-                </a:solidFill>
-                <a:latin typeface="inherit"/>
-              </a:rPr>
-              <a:t>concepts</a:t>
-            </a:r>
-            <a:endParaRPr lang="pl-PL" dirty="0">
-              <a:solidFill>
-                <a:srgbClr val="444444"/>
-              </a:solidFill>
-              <a:latin typeface="inherit"/>
-            </a:endParaRPr>
-          </a:p>
-          <a:p>
-            <a:pPr fontAlgn="base">
-              <a:buFont typeface="Arial" panose="020B0604020202020204" pitchFamily="34" charset="0"/>
-              <a:buChar char="•"/>
-            </a:pPr>
-            <a:r>
-              <a:rPr lang="pl-PL" dirty="0">
-                <a:solidFill>
-                  <a:srgbClr val="444444"/>
-                </a:solidFill>
-                <a:latin typeface="inherit"/>
-              </a:rPr>
-              <a:t> Basic </a:t>
-            </a:r>
-            <a:r>
-              <a:rPr lang="pl-PL" dirty="0" err="1">
-                <a:solidFill>
-                  <a:srgbClr val="444444"/>
-                </a:solidFill>
-                <a:latin typeface="inherit"/>
-              </a:rPr>
-              <a:t>configuration</a:t>
-            </a:r>
-            <a:endParaRPr lang="en-US" dirty="0">
-              <a:solidFill>
-                <a:srgbClr val="444444"/>
-              </a:solidFill>
-              <a:latin typeface="inherit"/>
-            </a:endParaRPr>
-          </a:p>
-          <a:p>
-            <a:pPr fontAlgn="base">
-              <a:buFont typeface="Arial" panose="020B0604020202020204" pitchFamily="34" charset="0"/>
-              <a:buChar char="•"/>
-            </a:pPr>
-            <a:r>
-              <a:rPr lang="pl-PL" dirty="0">
-                <a:solidFill>
-                  <a:srgbClr val="444444"/>
-                </a:solidFill>
-                <a:latin typeface="inherit"/>
-              </a:rPr>
-              <a:t> </a:t>
-            </a:r>
-            <a:r>
-              <a:rPr lang="en-US" dirty="0">
-                <a:solidFill>
-                  <a:srgbClr val="444444"/>
-                </a:solidFill>
-                <a:latin typeface="inherit"/>
-              </a:rPr>
-              <a:t>Adding, updating, retrieving and deleting data</a:t>
-            </a:r>
-            <a:r>
-              <a:rPr lang="pl-PL" dirty="0">
-                <a:solidFill>
-                  <a:srgbClr val="444444"/>
-                </a:solidFill>
-                <a:latin typeface="inherit"/>
-              </a:rPr>
-              <a:t> (CRUD)</a:t>
-            </a:r>
-            <a:endParaRPr lang="en-US" dirty="0">
-              <a:solidFill>
-                <a:srgbClr val="444444"/>
-              </a:solidFill>
-              <a:latin typeface="inherit"/>
-            </a:endParaRPr>
-          </a:p>
-          <a:p>
-            <a:pPr fontAlgn="base">
-              <a:buFont typeface="Arial" panose="020B0604020202020204" pitchFamily="34" charset="0"/>
-              <a:buChar char="•"/>
-            </a:pPr>
-            <a:r>
-              <a:rPr lang="pl-PL" dirty="0">
-                <a:solidFill>
-                  <a:srgbClr val="444444"/>
-                </a:solidFill>
-                <a:latin typeface="inherit"/>
-              </a:rPr>
-              <a:t> </a:t>
-            </a:r>
-            <a:r>
-              <a:rPr lang="en-US" dirty="0">
-                <a:solidFill>
-                  <a:srgbClr val="444444"/>
-                </a:solidFill>
-                <a:latin typeface="inherit"/>
-              </a:rPr>
-              <a:t>Basic text analysis theory and application</a:t>
-            </a:r>
-          </a:p>
-          <a:p>
-            <a:pPr fontAlgn="base">
-              <a:buFont typeface="Arial" panose="020B0604020202020204" pitchFamily="34" charset="0"/>
-              <a:buChar char="•"/>
-            </a:pPr>
-            <a:r>
-              <a:rPr lang="pl-PL" dirty="0">
-                <a:solidFill>
-                  <a:srgbClr val="444444"/>
-                </a:solidFill>
-                <a:latin typeface="inherit"/>
-              </a:rPr>
-              <a:t> </a:t>
-            </a:r>
-            <a:r>
-              <a:rPr lang="en-US" dirty="0">
-                <a:solidFill>
-                  <a:srgbClr val="444444"/>
-                </a:solidFill>
-                <a:latin typeface="inherit"/>
-              </a:rPr>
-              <a:t>Basic search queries</a:t>
-            </a:r>
-          </a:p>
-          <a:p>
-            <a:pPr fontAlgn="base">
-              <a:buFont typeface="Arial" panose="020B0604020202020204" pitchFamily="34" charset="0"/>
-              <a:buChar char="•"/>
-            </a:pPr>
-            <a:r>
-              <a:rPr lang="pl-PL" dirty="0">
-                <a:solidFill>
-                  <a:srgbClr val="444444"/>
-                </a:solidFill>
-                <a:latin typeface="inherit"/>
-              </a:rPr>
-              <a:t> </a:t>
-            </a:r>
-            <a:r>
-              <a:rPr lang="en-US" dirty="0">
-                <a:solidFill>
-                  <a:srgbClr val="444444"/>
-                </a:solidFill>
-                <a:latin typeface="inherit"/>
-              </a:rPr>
-              <a:t>Analytical aggregations</a:t>
-            </a:r>
-            <a:endParaRPr lang="pl-PL" dirty="0">
-              <a:solidFill>
-                <a:srgbClr val="444444"/>
-              </a:solidFill>
-              <a:latin typeface="inherit"/>
-            </a:endParaRPr>
-          </a:p>
-          <a:p>
-            <a:pPr fontAlgn="base">
-              <a:buFont typeface="Arial" panose="020B0604020202020204" pitchFamily="34" charset="0"/>
-              <a:buChar char="•"/>
-            </a:pPr>
-            <a:r>
-              <a:rPr lang="pl-PL" dirty="0">
-                <a:solidFill>
-                  <a:srgbClr val="444444"/>
-                </a:solidFill>
-                <a:latin typeface="inherit"/>
-              </a:rPr>
-              <a:t> JAVA </a:t>
-            </a:r>
-            <a:r>
-              <a:rPr lang="pl-PL" dirty="0" err="1">
-                <a:solidFill>
-                  <a:srgbClr val="444444"/>
-                </a:solidFill>
-                <a:latin typeface="inherit"/>
-              </a:rPr>
-              <a:t>clients</a:t>
-            </a:r>
-            <a:endParaRPr lang="pl-PL" dirty="0">
-              <a:solidFill>
-                <a:srgbClr val="444444"/>
-              </a:solidFill>
-              <a:latin typeface="inherit"/>
-            </a:endParaRPr>
-          </a:p>
-          <a:p>
-            <a:pPr fontAlgn="base">
-              <a:buFont typeface="Arial" panose="020B0604020202020204" pitchFamily="34" charset="0"/>
-              <a:buChar char="•"/>
-            </a:pPr>
-            <a:r>
-              <a:rPr lang="pl-PL" dirty="0">
-                <a:solidFill>
-                  <a:srgbClr val="444444"/>
-                </a:solidFill>
-                <a:latin typeface="inherit"/>
-              </a:rPr>
-              <a:t> Advanced </a:t>
-            </a:r>
-            <a:r>
-              <a:rPr lang="pl-PL" dirty="0" err="1">
-                <a:solidFill>
-                  <a:srgbClr val="444444"/>
-                </a:solidFill>
-                <a:latin typeface="inherit"/>
-              </a:rPr>
-              <a:t>subjects</a:t>
-            </a:r>
-            <a:r>
-              <a:rPr lang="pl-PL" dirty="0">
-                <a:solidFill>
-                  <a:srgbClr val="444444"/>
-                </a:solidFill>
-                <a:latin typeface="inherit"/>
-              </a:rPr>
-              <a:t> (</a:t>
-            </a:r>
-            <a:r>
-              <a:rPr lang="pl-PL" dirty="0" err="1">
-                <a:solidFill>
-                  <a:srgbClr val="444444"/>
-                </a:solidFill>
-                <a:latin typeface="inherit"/>
-              </a:rPr>
-              <a:t>shards</a:t>
-            </a:r>
-            <a:r>
-              <a:rPr lang="pl-PL" dirty="0">
-                <a:solidFill>
-                  <a:srgbClr val="444444"/>
-                </a:solidFill>
-                <a:latin typeface="inherit"/>
-              </a:rPr>
-              <a:t>, </a:t>
-            </a:r>
-            <a:r>
-              <a:rPr lang="pl-PL" dirty="0" err="1">
-                <a:solidFill>
-                  <a:srgbClr val="444444"/>
-                </a:solidFill>
-                <a:latin typeface="inherit"/>
-              </a:rPr>
-              <a:t>replicas</a:t>
-            </a:r>
-            <a:r>
-              <a:rPr lang="pl-PL" dirty="0">
-                <a:solidFill>
-                  <a:srgbClr val="444444"/>
-                </a:solidFill>
-                <a:latin typeface="inherit"/>
-              </a:rPr>
-              <a:t>)</a:t>
-            </a:r>
-            <a:endParaRPr lang="en-US" dirty="0">
-              <a:solidFill>
-                <a:srgbClr val="444444"/>
-              </a:solidFill>
-              <a:latin typeface="inherit"/>
-            </a:endParaRPr>
-          </a:p>
-          <a:p>
-            <a:pPr fontAlgn="base">
-              <a:buFont typeface="Arial" panose="020B0604020202020204" pitchFamily="34" charset="0"/>
-              <a:buChar char="•"/>
-            </a:pPr>
-            <a:r>
-              <a:rPr lang="pl-PL" dirty="0">
-                <a:solidFill>
-                  <a:srgbClr val="444444"/>
-                </a:solidFill>
-                <a:latin typeface="inherit"/>
-              </a:rPr>
-              <a:t> </a:t>
-            </a:r>
-            <a:r>
-              <a:rPr lang="en-US" dirty="0">
-                <a:solidFill>
-                  <a:srgbClr val="444444"/>
-                </a:solidFill>
-                <a:latin typeface="inherit"/>
-              </a:rPr>
-              <a:t>Where to find more resources</a:t>
-            </a:r>
-            <a:endParaRPr lang="en-US" b="0" i="0" dirty="0">
-              <a:solidFill>
-                <a:srgbClr val="444444"/>
-              </a:solidFill>
-              <a:effectLst/>
-              <a:latin typeface="inherit"/>
-            </a:endParaRPr>
-          </a:p>
-        </p:txBody>
-      </p:sp>
-      <p:sp>
-        <p:nvSpPr>
-          <p:cNvPr id="2" name="Prostokąt 1"/>
-          <p:cNvSpPr/>
-          <p:nvPr/>
-        </p:nvSpPr>
-        <p:spPr>
-          <a:xfrm>
-            <a:off x="1979776" y="523238"/>
-            <a:ext cx="6096000" cy="769441"/>
-          </a:xfrm>
-          <a:prstGeom prst="rect">
-            <a:avLst/>
-          </a:prstGeom>
-        </p:spPr>
-        <p:txBody>
-          <a:bodyPr>
-            <a:spAutoFit/>
-          </a:bodyPr>
-          <a:lstStyle/>
-          <a:p>
-            <a:r>
-              <a:rPr lang="pl-PL" sz="4400" dirty="0">
-                <a:latin typeface="Aharoni" panose="02010803020104030203" pitchFamily="2" charset="-79"/>
-                <a:cs typeface="Aharoni" panose="02010803020104030203" pitchFamily="2" charset="-79"/>
-              </a:rPr>
-              <a:t>AGENDA</a:t>
-            </a:r>
-          </a:p>
-        </p:txBody>
-      </p:sp>
-      <p:sp>
-        <p:nvSpPr>
-          <p:cNvPr id="3" name="Nawias klamrowy zamykający 2"/>
-          <p:cNvSpPr/>
-          <p:nvPr/>
-        </p:nvSpPr>
-        <p:spPr>
-          <a:xfrm>
-            <a:off x="8319331" y="1494403"/>
-            <a:ext cx="991312" cy="3042303"/>
-          </a:xfrm>
-          <a:prstGeom prst="rightBrace">
-            <a:avLst/>
-          </a:prstGeom>
-        </p:spPr>
-        <p:style>
-          <a:lnRef idx="1">
-            <a:schemeClr val="accent1"/>
-          </a:lnRef>
-          <a:fillRef idx="0">
-            <a:schemeClr val="accent1"/>
-          </a:fillRef>
-          <a:effectRef idx="0">
-            <a:schemeClr val="accent1"/>
-          </a:effectRef>
-          <a:fontRef idx="minor">
-            <a:schemeClr val="tx1"/>
-          </a:fontRef>
-        </p:style>
-        <p:txBody>
-          <a:bodyPr rtlCol="0" anchor="ctr"/>
-          <a:lstStyle/>
-          <a:p>
-            <a:pPr algn="ctr"/>
-            <a:endParaRPr lang="pl-PL" dirty="0"/>
-          </a:p>
-        </p:txBody>
-      </p:sp>
-      <p:sp>
-        <p:nvSpPr>
-          <p:cNvPr id="5" name="pole tekstowe 4"/>
-          <p:cNvSpPr txBox="1"/>
-          <p:nvPr/>
-        </p:nvSpPr>
-        <p:spPr>
-          <a:xfrm>
-            <a:off x="9554199" y="2830889"/>
-            <a:ext cx="1953868" cy="369332"/>
-          </a:xfrm>
-          <a:prstGeom prst="rect">
-            <a:avLst/>
-          </a:prstGeom>
-          <a:noFill/>
-        </p:spPr>
-        <p:txBody>
-          <a:bodyPr wrap="none" rtlCol="0">
-            <a:spAutoFit/>
-          </a:bodyPr>
-          <a:lstStyle/>
-          <a:p>
-            <a:r>
-              <a:rPr lang="pl-PL" dirty="0"/>
-              <a:t>DOCKIND3 </a:t>
-            </a:r>
-            <a:r>
-              <a:rPr lang="pl-PL" dirty="0" err="1"/>
-              <a:t>Aspect</a:t>
-            </a:r>
-            <a:endParaRPr lang="pl-PL" dirty="0"/>
-          </a:p>
-        </p:txBody>
-      </p:sp>
-    </p:spTree>
-    <p:extLst>
-      <p:ext uri="{BB962C8B-B14F-4D97-AF65-F5344CB8AC3E}">
-        <p14:creationId xmlns:p14="http://schemas.microsoft.com/office/powerpoint/2010/main" val="232993580"/>
-      </p:ext>
-    </p:extLst>
-  </p:cSld>
-  <p:clrMapOvr>
-    <a:masterClrMapping/>
-  </p:clrMapOvr>
-</p:sld>
-</file>
-
-<file path=ppt/slides/slide20.xml><?xml version="1.0" encoding="utf-8"?>
-<p:sld xmlns:a="http://schemas.openxmlformats.org/drawingml/2006/main" xmlns:r="http://schemas.openxmlformats.org/officeDocument/2006/relationships" xmlns:p="http://schemas.openxmlformats.org/presentationml/2006/main">
-  <p:cSld>
-    <p:spTree>
-      <p:nvGrpSpPr>
-        <p:cNvPr id="1" name=""/>
-        <p:cNvGrpSpPr/>
-        <p:nvPr/>
-      </p:nvGrpSpPr>
-      <p:grpSpPr>
-        <a:xfrm>
-          <a:off x="0" y="0"/>
-          <a:ext cx="0" cy="0"/>
-          <a:chOff x="0" y="0"/>
-          <a:chExt cx="0" cy="0"/>
-        </a:xfrm>
-      </p:grpSpPr>
-      <p:sp>
-        <p:nvSpPr>
-          <p:cNvPr id="2" name="Prostokąt 1"/>
-          <p:cNvSpPr/>
-          <p:nvPr/>
-        </p:nvSpPr>
-        <p:spPr>
-          <a:xfrm>
-            <a:off x="1979776" y="523238"/>
-            <a:ext cx="6096000" cy="769441"/>
-          </a:xfrm>
-          <a:prstGeom prst="rect">
-            <a:avLst/>
-          </a:prstGeom>
-        </p:spPr>
-        <p:txBody>
-          <a:bodyPr>
-            <a:spAutoFit/>
-          </a:bodyPr>
-          <a:lstStyle/>
-          <a:p>
-            <a:r>
-              <a:rPr lang="pl-PL" sz="4400" dirty="0">
-                <a:latin typeface="Aharoni" panose="02010803020104030203" pitchFamily="2" charset="-79"/>
-                <a:cs typeface="Aharoni" panose="02010803020104030203" pitchFamily="2" charset="-79"/>
-              </a:rPr>
-              <a:t>BASIC CONCEPTS</a:t>
-            </a:r>
-          </a:p>
-        </p:txBody>
-      </p:sp>
-      <p:sp>
-        <p:nvSpPr>
-          <p:cNvPr id="5" name="Prostokąt 4"/>
-          <p:cNvSpPr/>
-          <p:nvPr/>
-        </p:nvSpPr>
-        <p:spPr>
-          <a:xfrm>
-            <a:off x="1979776" y="1523416"/>
-            <a:ext cx="9522863" cy="646331"/>
-          </a:xfrm>
-          <a:prstGeom prst="rect">
-            <a:avLst/>
-          </a:prstGeom>
-        </p:spPr>
-        <p:txBody>
-          <a:bodyPr wrap="square">
-            <a:spAutoFit/>
-          </a:bodyPr>
-          <a:lstStyle/>
-          <a:p>
-            <a:pPr fontAlgn="base"/>
-            <a:endParaRPr lang="en-US" dirty="0"/>
-          </a:p>
-          <a:p>
-            <a:r>
-              <a:rPr lang="en-US" dirty="0"/>
-              <a:t>An</a:t>
-            </a:r>
-            <a:endParaRPr lang="pl-PL" dirty="0">
-              <a:solidFill>
-                <a:srgbClr val="444444"/>
-              </a:solidFill>
-              <a:latin typeface="inherit"/>
-            </a:endParaRPr>
-          </a:p>
-        </p:txBody>
-      </p:sp>
-    </p:spTree>
-    <p:extLst>
-      <p:ext uri="{BB962C8B-B14F-4D97-AF65-F5344CB8AC3E}">
-        <p14:creationId xmlns:p14="http://schemas.microsoft.com/office/powerpoint/2010/main" val="1229619476"/>
-      </p:ext>
-    </p:extLst>
-  </p:cSld>
-  <p:clrMapOvr>
-    <a:masterClrMapping/>
-  </p:clrMapOvr>
-</p:sld>
-</file>
-
-<file path=ppt/slides/slide21.xml><?xml version="1.0" encoding="utf-8"?>
-<p:sld xmlns:a="http://schemas.openxmlformats.org/drawingml/2006/main" xmlns:r="http://schemas.openxmlformats.org/officeDocument/2006/relationships" xmlns:p="http://schemas.openxmlformats.org/presentationml/2006/main">
-  <p:cSld>
-    <p:spTree>
-      <p:nvGrpSpPr>
-        <p:cNvPr id="1" name=""/>
-        <p:cNvGrpSpPr/>
-        <p:nvPr/>
-      </p:nvGrpSpPr>
-      <p:grpSpPr>
-        <a:xfrm>
-          <a:off x="0" y="0"/>
-          <a:ext cx="0" cy="0"/>
-          <a:chOff x="0" y="0"/>
-          <a:chExt cx="0" cy="0"/>
-        </a:xfrm>
-      </p:grpSpPr>
-      <p:sp>
-        <p:nvSpPr>
           <p:cNvPr id="2" name="Tytuł 1"/>
           <p:cNvSpPr>
             <a:spLocks noGrp="1"/>
@@ -8520,8 +10846,10 @@
               <a:t>Materials: </a:t>
             </a:r>
             <a:r>
-              <a:rPr lang="pl-PL" dirty="0" err="1"/>
-              <a:t>github</a:t>
+              <a:rPr lang="pl-PL" dirty="0">
+                <a:hlinkClick r:id="rId3"/>
+              </a:rPr>
+              <a:t>https://github.com/pnowy/elastic</a:t>
             </a:r>
             <a:endParaRPr lang="pl-PL" dirty="0"/>
           </a:p>
@@ -8646,7 +10974,7 @@
         </p:nvSpPr>
         <p:spPr>
           <a:xfrm>
-            <a:off x="1979776" y="2583094"/>
+            <a:off x="2090871" y="2224171"/>
             <a:ext cx="9522863" cy="2554545"/>
           </a:xfrm>
           <a:prstGeom prst="rect">
@@ -9077,88 +11405,27 @@
         </p:nvSpPr>
         <p:spPr>
           <a:xfrm>
-            <a:off x="1979776" y="523238"/>
-            <a:ext cx="6096000" cy="769441"/>
+            <a:off x="1469877" y="2497317"/>
+            <a:ext cx="9733659" cy="769441"/>
           </a:xfrm>
           <a:prstGeom prst="rect">
             <a:avLst/>
           </a:prstGeom>
         </p:spPr>
         <p:txBody>
-          <a:bodyPr>
-            <a:spAutoFit/>
-          </a:bodyPr>
-          <a:lstStyle/>
-          <a:p>
-            <a:r>
-              <a:rPr lang="pl-PL" sz="4400" dirty="0">
-                <a:latin typeface="Aharoni" panose="02010803020104030203" pitchFamily="2" charset="-79"/>
-                <a:cs typeface="Aharoni" panose="02010803020104030203" pitchFamily="2" charset="-79"/>
-              </a:rPr>
-              <a:t>BASIC CONCEPTS</a:t>
-            </a:r>
-          </a:p>
-        </p:txBody>
-      </p:sp>
-      <p:sp>
-        <p:nvSpPr>
-          <p:cNvPr id="5" name="Prostokąt 4"/>
-          <p:cNvSpPr/>
-          <p:nvPr/>
-        </p:nvSpPr>
-        <p:spPr>
-          <a:xfrm>
-            <a:off x="1979776" y="2805285"/>
-            <a:ext cx="9522863" cy="1477328"/>
-          </a:xfrm>
-          <a:prstGeom prst="rect">
-            <a:avLst/>
-          </a:prstGeom>
-        </p:spPr>
-        <p:txBody>
           <a:bodyPr wrap="square">
             <a:spAutoFit/>
           </a:bodyPr>
           <a:lstStyle/>
           <a:p>
-            <a:pPr fontAlgn="base"/>
-            <a:r>
-              <a:rPr lang="en-US" b="1" dirty="0"/>
-              <a:t>Near </a:t>
-            </a:r>
-            <a:r>
-              <a:rPr lang="en-US" b="1" dirty="0" err="1"/>
-              <a:t>Realtime</a:t>
-            </a:r>
-            <a:r>
-              <a:rPr lang="en-US" b="1" dirty="0"/>
-              <a:t> (NRT)</a:t>
-            </a:r>
-            <a:endParaRPr lang="pl-PL" b="1" dirty="0"/>
-          </a:p>
-          <a:p>
-            <a:pPr fontAlgn="base"/>
-            <a:endParaRPr lang="en-US" dirty="0"/>
-          </a:p>
-          <a:p>
-            <a:pPr fontAlgn="base"/>
-            <a:r>
-              <a:rPr lang="en-US" dirty="0" err="1"/>
-              <a:t>Elasticsearch</a:t>
-            </a:r>
-            <a:r>
-              <a:rPr lang="en-US" dirty="0"/>
-              <a:t> is a near real time search platform. What this means is there is a slight latency (normally one second) from the time you index a document until the time it becomes searchable.</a:t>
-            </a:r>
-          </a:p>
-          <a:p>
-            <a:pPr fontAlgn="base"/>
-            <a:endParaRPr lang="pl-PL" dirty="0">
-              <a:solidFill>
-                <a:srgbClr val="444444"/>
-              </a:solidFill>
-              <a:latin typeface="inherit"/>
-            </a:endParaRPr>
+            <a:pPr algn="ctr"/>
+            <a:r>
+              <a:rPr lang="pl-PL" sz="4400" dirty="0">
+                <a:latin typeface="Aharoni" panose="02010803020104030203" pitchFamily="2" charset="-79"/>
+                <a:cs typeface="Aharoni" panose="02010803020104030203" pitchFamily="2" charset="-79"/>
+              </a:rPr>
+              <a:t>BASIC CONCEPTS</a:t>
+            </a:r>
           </a:p>
         </p:txBody>
       </p:sp>

--- a/etc/elastic.pptx
+++ b/etc/elastic.pptx
@@ -640,7 +640,7 @@
             <a:fld id="{B61BEF0D-F0BB-DE4B-95CE-6DB70DBA9567}" type="datetimeFigureOut">
               <a:rPr lang="en-US" dirty="0"/>
               <a:pPr/>
-              <a:t>7/9/2016</a:t>
+              <a:t>7/10/2016</a:t>
             </a:fld>
             <a:endParaRPr lang="en-US" dirty="0"/>
           </a:p>
@@ -933,7 +933,7 @@
             <a:fld id="{B61BEF0D-F0BB-DE4B-95CE-6DB70DBA9567}" type="datetimeFigureOut">
               <a:rPr lang="en-US" dirty="0"/>
               <a:pPr/>
-              <a:t>7/9/2016</a:t>
+              <a:t>7/10/2016</a:t>
             </a:fld>
             <a:endParaRPr lang="en-US" dirty="0"/>
           </a:p>
@@ -1178,7 +1178,7 @@
             <a:fld id="{B61BEF0D-F0BB-DE4B-95CE-6DB70DBA9567}" type="datetimeFigureOut">
               <a:rPr lang="en-US" dirty="0"/>
               <a:pPr/>
-              <a:t>7/9/2016</a:t>
+              <a:t>7/10/2016</a:t>
             </a:fld>
             <a:endParaRPr lang="en-US" dirty="0"/>
           </a:p>
@@ -1715,7 +1715,7 @@
             <a:fld id="{B61BEF0D-F0BB-DE4B-95CE-6DB70DBA9567}" type="datetimeFigureOut">
               <a:rPr lang="en-US" dirty="0"/>
               <a:pPr/>
-              <a:t>7/9/2016</a:t>
+              <a:t>7/10/2016</a:t>
             </a:fld>
             <a:endParaRPr lang="en-US" dirty="0"/>
           </a:p>
@@ -1960,7 +1960,7 @@
             <a:fld id="{B61BEF0D-F0BB-DE4B-95CE-6DB70DBA9567}" type="datetimeFigureOut">
               <a:rPr lang="en-US" dirty="0"/>
               <a:pPr/>
-              <a:t>7/9/2016</a:t>
+              <a:t>7/10/2016</a:t>
             </a:fld>
             <a:endParaRPr lang="en-US" dirty="0"/>
           </a:p>
@@ -2489,7 +2489,7 @@
             <a:fld id="{B61BEF0D-F0BB-DE4B-95CE-6DB70DBA9567}" type="datetimeFigureOut">
               <a:rPr lang="en-US" dirty="0"/>
               <a:pPr/>
-              <a:t>7/9/2016</a:t>
+              <a:t>7/10/2016</a:t>
             </a:fld>
             <a:endParaRPr lang="en-US" dirty="0"/>
           </a:p>
@@ -2783,7 +2783,7 @@
             <a:fld id="{B61BEF0D-F0BB-DE4B-95CE-6DB70DBA9567}" type="datetimeFigureOut">
               <a:rPr lang="en-US" dirty="0"/>
               <a:pPr/>
-              <a:t>7/9/2016</a:t>
+              <a:t>7/10/2016</a:t>
             </a:fld>
             <a:endParaRPr lang="en-US" dirty="0"/>
           </a:p>
@@ -2954,7 +2954,7 @@
             <a:fld id="{B61BEF0D-F0BB-DE4B-95CE-6DB70DBA9567}" type="datetimeFigureOut">
               <a:rPr lang="en-US" dirty="0"/>
               <a:pPr/>
-              <a:t>7/9/2016</a:t>
+              <a:t>7/10/2016</a:t>
             </a:fld>
             <a:endParaRPr lang="en-US" dirty="0"/>
           </a:p>
@@ -3131,7 +3131,7 @@
             <a:fld id="{B61BEF0D-F0BB-DE4B-95CE-6DB70DBA9567}" type="datetimeFigureOut">
               <a:rPr lang="en-US" dirty="0"/>
               <a:pPr/>
-              <a:t>7/9/2016</a:t>
+              <a:t>7/10/2016</a:t>
             </a:fld>
             <a:endParaRPr lang="en-US" dirty="0"/>
           </a:p>
@@ -3298,7 +3298,7 @@
             <a:fld id="{B61BEF0D-F0BB-DE4B-95CE-6DB70DBA9567}" type="datetimeFigureOut">
               <a:rPr lang="en-US" dirty="0"/>
               <a:pPr/>
-              <a:t>7/9/2016</a:t>
+              <a:t>7/10/2016</a:t>
             </a:fld>
             <a:endParaRPr lang="en-US" dirty="0"/>
           </a:p>
@@ -3546,7 +3546,7 @@
             <a:fld id="{B61BEF0D-F0BB-DE4B-95CE-6DB70DBA9567}" type="datetimeFigureOut">
               <a:rPr lang="en-US" dirty="0"/>
               <a:pPr/>
-              <a:t>7/9/2016</a:t>
+              <a:t>7/10/2016</a:t>
             </a:fld>
             <a:endParaRPr lang="en-US" dirty="0"/>
           </a:p>
@@ -3840,7 +3840,7 @@
             <a:fld id="{B61BEF0D-F0BB-DE4B-95CE-6DB70DBA9567}" type="datetimeFigureOut">
               <a:rPr lang="en-US" dirty="0"/>
               <a:pPr/>
-              <a:t>7/9/2016</a:t>
+              <a:t>7/10/2016</a:t>
             </a:fld>
             <a:endParaRPr lang="en-US" dirty="0"/>
           </a:p>
@@ -4279,7 +4279,7 @@
             <a:fld id="{B61BEF0D-F0BB-DE4B-95CE-6DB70DBA9567}" type="datetimeFigureOut">
               <a:rPr lang="en-US" dirty="0"/>
               <a:pPr/>
-              <a:t>7/9/2016</a:t>
+              <a:t>7/10/2016</a:t>
             </a:fld>
             <a:endParaRPr lang="en-US" dirty="0"/>
           </a:p>
@@ -4394,7 +4394,7 @@
             <a:fld id="{B61BEF0D-F0BB-DE4B-95CE-6DB70DBA9567}" type="datetimeFigureOut">
               <a:rPr lang="en-US" dirty="0"/>
               <a:pPr/>
-              <a:t>7/9/2016</a:t>
+              <a:t>7/10/2016</a:t>
             </a:fld>
             <a:endParaRPr lang="en-US" dirty="0"/>
           </a:p>
@@ -4486,7 +4486,7 @@
             <a:fld id="{B61BEF0D-F0BB-DE4B-95CE-6DB70DBA9567}" type="datetimeFigureOut">
               <a:rPr lang="en-US" dirty="0"/>
               <a:pPr/>
-              <a:t>7/9/2016</a:t>
+              <a:t>7/10/2016</a:t>
             </a:fld>
             <a:endParaRPr lang="en-US" dirty="0"/>
           </a:p>
@@ -4766,7 +4766,7 @@
             <a:fld id="{B61BEF0D-F0BB-DE4B-95CE-6DB70DBA9567}" type="datetimeFigureOut">
               <a:rPr lang="en-US" dirty="0"/>
               <a:pPr/>
-              <a:t>7/9/2016</a:t>
+              <a:t>7/10/2016</a:t>
             </a:fld>
             <a:endParaRPr lang="en-US" dirty="0"/>
           </a:p>
@@ -5054,7 +5054,7 @@
             <a:fld id="{B61BEF0D-F0BB-DE4B-95CE-6DB70DBA9567}" type="datetimeFigureOut">
               <a:rPr lang="en-US" dirty="0"/>
               <a:pPr/>
-              <a:t>7/9/2016</a:t>
+              <a:t>7/10/2016</a:t>
             </a:fld>
             <a:endParaRPr lang="en-US" dirty="0"/>
           </a:p>
@@ -5581,7 +5581,7 @@
             <a:fld id="{B61BEF0D-F0BB-DE4B-95CE-6DB70DBA9567}" type="datetimeFigureOut">
               <a:rPr lang="en-US" dirty="0"/>
               <a:pPr/>
-              <a:t>7/9/2016</a:t>
+              <a:t>7/10/2016</a:t>
             </a:fld>
             <a:endParaRPr lang="en-US" dirty="0"/>
           </a:p>
